--- a/Non-Python Stats Stuff/Slides/Descriptive Statistics.pptx
+++ b/Non-Python Stats Stuff/Slides/Descriptive Statistics.pptx
@@ -1254,7 +1254,7 @@
   <p:cSld>
     <p:spTree>
       <p:nvGrpSpPr>
-        <p:cNvPr id="134" name="Shape 134"/>
+        <p:cNvPr id="135" name="Shape 135"/>
         <p:cNvGrpSpPr/>
         <p:nvPr/>
       </p:nvGrpSpPr>
@@ -1268,7 +1268,7 @@
       </p:grpSpPr>
       <p:sp>
         <p:nvSpPr>
-          <p:cNvPr id="135" name="Google Shape;135;g251b89d698c_0_56:notes"/>
+          <p:cNvPr id="136" name="Google Shape;136;g251b89d698c_0_56:notes"/>
           <p:cNvSpPr/>
           <p:nvPr>
             <p:ph idx="2" type="sldImg"/>
@@ -1303,7 +1303,7 @@
       </p:sp>
       <p:sp>
         <p:nvSpPr>
-          <p:cNvPr id="136" name="Google Shape;136;g251b89d698c_0_56:notes"/>
+          <p:cNvPr id="137" name="Google Shape;137;g251b89d698c_0_56:notes"/>
           <p:cNvSpPr txBox="1"/>
           <p:nvPr>
             <p:ph idx="1" type="body"/>
@@ -1353,7 +1353,7 @@
   <p:cSld>
     <p:spTree>
       <p:nvGrpSpPr>
-        <p:cNvPr id="140" name="Shape 140"/>
+        <p:cNvPr id="141" name="Shape 141"/>
         <p:cNvGrpSpPr/>
         <p:nvPr/>
       </p:nvGrpSpPr>
@@ -1367,7 +1367,7 @@
       </p:grpSpPr>
       <p:sp>
         <p:nvSpPr>
-          <p:cNvPr id="141" name="Google Shape;141;g240a5d3e5ce_1_0:notes"/>
+          <p:cNvPr id="142" name="Google Shape;142;g240a5d3e5ce_1_0:notes"/>
           <p:cNvSpPr/>
           <p:nvPr>
             <p:ph idx="2" type="sldImg"/>
@@ -1402,7 +1402,7 @@
       </p:sp>
       <p:sp>
         <p:nvSpPr>
-          <p:cNvPr id="142" name="Google Shape;142;g240a5d3e5ce_1_0:notes"/>
+          <p:cNvPr id="143" name="Google Shape;143;g240a5d3e5ce_1_0:notes"/>
           <p:cNvSpPr txBox="1"/>
           <p:nvPr>
             <p:ph idx="1" type="body"/>
@@ -1452,7 +1452,7 @@
   <p:cSld>
     <p:spTree>
       <p:nvGrpSpPr>
-        <p:cNvPr id="145" name="Shape 145"/>
+        <p:cNvPr id="146" name="Shape 146"/>
         <p:cNvGrpSpPr/>
         <p:nvPr/>
       </p:nvGrpSpPr>
@@ -1466,7 +1466,7 @@
       </p:grpSpPr>
       <p:sp>
         <p:nvSpPr>
-          <p:cNvPr id="146" name="Google Shape;146;g251b89d698c_0_61:notes"/>
+          <p:cNvPr id="147" name="Google Shape;147;g251b89d698c_0_61:notes"/>
           <p:cNvSpPr/>
           <p:nvPr>
             <p:ph idx="2" type="sldImg"/>
@@ -1501,7 +1501,7 @@
       </p:sp>
       <p:sp>
         <p:nvSpPr>
-          <p:cNvPr id="147" name="Google Shape;147;g251b89d698c_0_61:notes"/>
+          <p:cNvPr id="148" name="Google Shape;148;g251b89d698c_0_61:notes"/>
           <p:cNvSpPr txBox="1"/>
           <p:nvPr>
             <p:ph idx="1" type="body"/>
@@ -1551,7 +1551,7 @@
   <p:cSld>
     <p:spTree>
       <p:nvGrpSpPr>
-        <p:cNvPr id="151" name="Shape 151"/>
+        <p:cNvPr id="152" name="Shape 152"/>
         <p:cNvGrpSpPr/>
         <p:nvPr/>
       </p:nvGrpSpPr>
@@ -1565,7 +1565,7 @@
       </p:grpSpPr>
       <p:sp>
         <p:nvSpPr>
-          <p:cNvPr id="152" name="Google Shape;152;g251b89d698c_0_67:notes"/>
+          <p:cNvPr id="153" name="Google Shape;153;g251b89d698c_0_67:notes"/>
           <p:cNvSpPr/>
           <p:nvPr>
             <p:ph idx="2" type="sldImg"/>
@@ -1600,7 +1600,7 @@
       </p:sp>
       <p:sp>
         <p:nvSpPr>
-          <p:cNvPr id="153" name="Google Shape;153;g251b89d698c_0_67:notes"/>
+          <p:cNvPr id="154" name="Google Shape;154;g251b89d698c_0_67:notes"/>
           <p:cNvSpPr txBox="1"/>
           <p:nvPr>
             <p:ph idx="1" type="body"/>
@@ -1650,7 +1650,7 @@
   <p:cSld>
     <p:spTree>
       <p:nvGrpSpPr>
-        <p:cNvPr id="157" name="Shape 157"/>
+        <p:cNvPr id="158" name="Shape 158"/>
         <p:cNvGrpSpPr/>
         <p:nvPr/>
       </p:nvGrpSpPr>
@@ -1664,7 +1664,7 @@
       </p:grpSpPr>
       <p:sp>
         <p:nvSpPr>
-          <p:cNvPr id="158" name="Google Shape;158;g290740e3554_0_0:notes"/>
+          <p:cNvPr id="159" name="Google Shape;159;g290740e3554_0_0:notes"/>
           <p:cNvSpPr/>
           <p:nvPr>
             <p:ph idx="2" type="sldImg"/>
@@ -1699,7 +1699,7 @@
       </p:sp>
       <p:sp>
         <p:nvSpPr>
-          <p:cNvPr id="159" name="Google Shape;159;g290740e3554_0_0:notes"/>
+          <p:cNvPr id="160" name="Google Shape;160;g290740e3554_0_0:notes"/>
           <p:cNvSpPr txBox="1"/>
           <p:nvPr>
             <p:ph idx="1" type="body"/>
@@ -1749,7 +1749,7 @@
   <p:cSld>
     <p:spTree>
       <p:nvGrpSpPr>
-        <p:cNvPr id="164" name="Shape 164"/>
+        <p:cNvPr id="165" name="Shape 165"/>
         <p:cNvGrpSpPr/>
         <p:nvPr/>
       </p:nvGrpSpPr>
@@ -1763,7 +1763,7 @@
       </p:grpSpPr>
       <p:sp>
         <p:nvSpPr>
-          <p:cNvPr id="165" name="Google Shape;165;g251c7ec207e_0_16:notes"/>
+          <p:cNvPr id="166" name="Google Shape;166;g251c7ec207e_0_16:notes"/>
           <p:cNvSpPr/>
           <p:nvPr>
             <p:ph idx="2" type="sldImg"/>
@@ -1798,7 +1798,7 @@
       </p:sp>
       <p:sp>
         <p:nvSpPr>
-          <p:cNvPr id="166" name="Google Shape;166;g251c7ec207e_0_16:notes"/>
+          <p:cNvPr id="167" name="Google Shape;167;g251c7ec207e_0_16:notes"/>
           <p:cNvSpPr txBox="1"/>
           <p:nvPr>
             <p:ph idx="1" type="body"/>
@@ -1947,7 +1947,7 @@
   <p:cSld>
     <p:spTree>
       <p:nvGrpSpPr>
-        <p:cNvPr id="170" name="Shape 170"/>
+        <p:cNvPr id="171" name="Shape 171"/>
         <p:cNvGrpSpPr/>
         <p:nvPr/>
       </p:nvGrpSpPr>
@@ -1961,7 +1961,7 @@
       </p:grpSpPr>
       <p:sp>
         <p:nvSpPr>
-          <p:cNvPr id="171" name="Google Shape;171;g251b89d698c_0_77:notes"/>
+          <p:cNvPr id="172" name="Google Shape;172;g251b89d698c_0_77:notes"/>
           <p:cNvSpPr/>
           <p:nvPr>
             <p:ph idx="2" type="sldImg"/>
@@ -1996,7 +1996,7 @@
       </p:sp>
       <p:sp>
         <p:nvSpPr>
-          <p:cNvPr id="172" name="Google Shape;172;g251b89d698c_0_77:notes"/>
+          <p:cNvPr id="173" name="Google Shape;173;g251b89d698c_0_77:notes"/>
           <p:cNvSpPr txBox="1"/>
           <p:nvPr>
             <p:ph idx="1" type="body"/>
@@ -2046,7 +2046,7 @@
   <p:cSld>
     <p:spTree>
       <p:nvGrpSpPr>
-        <p:cNvPr id="176" name="Shape 176"/>
+        <p:cNvPr id="177" name="Shape 177"/>
         <p:cNvGrpSpPr/>
         <p:nvPr/>
       </p:nvGrpSpPr>
@@ -2060,7 +2060,7 @@
       </p:grpSpPr>
       <p:sp>
         <p:nvSpPr>
-          <p:cNvPr id="177" name="Google Shape;177;g251c7ec207e_0_5:notes"/>
+          <p:cNvPr id="178" name="Google Shape;178;g251c7ec207e_0_5:notes"/>
           <p:cNvSpPr/>
           <p:nvPr>
             <p:ph idx="2" type="sldImg"/>
@@ -2095,7 +2095,7 @@
       </p:sp>
       <p:sp>
         <p:nvSpPr>
-          <p:cNvPr id="178" name="Google Shape;178;g251c7ec207e_0_5:notes"/>
+          <p:cNvPr id="179" name="Google Shape;179;g251c7ec207e_0_5:notes"/>
           <p:cNvSpPr txBox="1"/>
           <p:nvPr>
             <p:ph idx="1" type="body"/>
@@ -2145,7 +2145,7 @@
   <p:cSld>
     <p:spTree>
       <p:nvGrpSpPr>
-        <p:cNvPr id="182" name="Shape 182"/>
+        <p:cNvPr id="183" name="Shape 183"/>
         <p:cNvGrpSpPr/>
         <p:nvPr/>
       </p:nvGrpSpPr>
@@ -2159,7 +2159,7 @@
       </p:grpSpPr>
       <p:sp>
         <p:nvSpPr>
-          <p:cNvPr id="183" name="Google Shape;183;g251b89d698c_0_72:notes"/>
+          <p:cNvPr id="184" name="Google Shape;184;g251b89d698c_0_72:notes"/>
           <p:cNvSpPr/>
           <p:nvPr>
             <p:ph idx="2" type="sldImg"/>
@@ -2194,7 +2194,7 @@
       </p:sp>
       <p:sp>
         <p:nvSpPr>
-          <p:cNvPr id="184" name="Google Shape;184;g251b89d698c_0_72:notes"/>
+          <p:cNvPr id="185" name="Google Shape;185;g251b89d698c_0_72:notes"/>
           <p:cNvSpPr txBox="1"/>
           <p:nvPr>
             <p:ph idx="1" type="body"/>
@@ -2244,7 +2244,7 @@
   <p:cSld>
     <p:spTree>
       <p:nvGrpSpPr>
-        <p:cNvPr id="188" name="Shape 188"/>
+        <p:cNvPr id="189" name="Shape 189"/>
         <p:cNvGrpSpPr/>
         <p:nvPr/>
       </p:nvGrpSpPr>
@@ -2258,7 +2258,7 @@
       </p:grpSpPr>
       <p:sp>
         <p:nvSpPr>
-          <p:cNvPr id="189" name="Google Shape;189;g251c7ec207e_0_29:notes"/>
+          <p:cNvPr id="190" name="Google Shape;190;g251c7ec207e_0_29:notes"/>
           <p:cNvSpPr/>
           <p:nvPr>
             <p:ph idx="2" type="sldImg"/>
@@ -2293,7 +2293,7 @@
       </p:sp>
       <p:sp>
         <p:nvSpPr>
-          <p:cNvPr id="190" name="Google Shape;190;g251c7ec207e_0_29:notes"/>
+          <p:cNvPr id="191" name="Google Shape;191;g251c7ec207e_0_29:notes"/>
           <p:cNvSpPr txBox="1"/>
           <p:nvPr>
             <p:ph idx="1" type="body"/>
@@ -2343,7 +2343,7 @@
   <p:cSld>
     <p:spTree>
       <p:nvGrpSpPr>
-        <p:cNvPr id="195" name="Shape 195"/>
+        <p:cNvPr id="196" name="Shape 196"/>
         <p:cNvGrpSpPr/>
         <p:nvPr/>
       </p:nvGrpSpPr>
@@ -2357,7 +2357,7 @@
       </p:grpSpPr>
       <p:sp>
         <p:nvSpPr>
-          <p:cNvPr id="196" name="Google Shape;196;g251c7ec207e_0_0:notes"/>
+          <p:cNvPr id="197" name="Google Shape;197;g251c7ec207e_0_0:notes"/>
           <p:cNvSpPr/>
           <p:nvPr>
             <p:ph idx="2" type="sldImg"/>
@@ -2392,7 +2392,7 @@
       </p:sp>
       <p:sp>
         <p:nvSpPr>
-          <p:cNvPr id="197" name="Google Shape;197;g251c7ec207e_0_0:notes"/>
+          <p:cNvPr id="198" name="Google Shape;198;g251c7ec207e_0_0:notes"/>
           <p:cNvSpPr txBox="1"/>
           <p:nvPr>
             <p:ph idx="1" type="body"/>
@@ -2442,7 +2442,7 @@
   <p:cSld>
     <p:spTree>
       <p:nvGrpSpPr>
-        <p:cNvPr id="202" name="Shape 202"/>
+        <p:cNvPr id="203" name="Shape 203"/>
         <p:cNvGrpSpPr/>
         <p:nvPr/>
       </p:nvGrpSpPr>
@@ -2456,7 +2456,7 @@
       </p:grpSpPr>
       <p:sp>
         <p:nvSpPr>
-          <p:cNvPr id="203" name="Google Shape;203;g251c7ec207e_0_24:notes"/>
+          <p:cNvPr id="204" name="Google Shape;204;g251c7ec207e_0_24:notes"/>
           <p:cNvSpPr/>
           <p:nvPr>
             <p:ph idx="2" type="sldImg"/>
@@ -2491,7 +2491,7 @@
       </p:sp>
       <p:sp>
         <p:nvSpPr>
-          <p:cNvPr id="204" name="Google Shape;204;g251c7ec207e_0_24:notes"/>
+          <p:cNvPr id="205" name="Google Shape;205;g251c7ec207e_0_24:notes"/>
           <p:cNvSpPr txBox="1"/>
           <p:nvPr>
             <p:ph idx="1" type="body"/>
@@ -2541,7 +2541,7 @@
   <p:cSld>
     <p:spTree>
       <p:nvGrpSpPr>
-        <p:cNvPr id="208" name="Shape 208"/>
+        <p:cNvPr id="209" name="Shape 209"/>
         <p:cNvGrpSpPr/>
         <p:nvPr/>
       </p:nvGrpSpPr>
@@ -2555,7 +2555,7 @@
       </p:grpSpPr>
       <p:sp>
         <p:nvSpPr>
-          <p:cNvPr id="209" name="Google Shape;209;g22ab2d931f9_0_0:notes"/>
+          <p:cNvPr id="210" name="Google Shape;210;g22ab2d931f9_0_0:notes"/>
           <p:cNvSpPr/>
           <p:nvPr>
             <p:ph idx="2" type="sldImg"/>
@@ -2590,7 +2590,7 @@
       </p:sp>
       <p:sp>
         <p:nvSpPr>
-          <p:cNvPr id="210" name="Google Shape;210;g22ab2d931f9_0_0:notes"/>
+          <p:cNvPr id="211" name="Google Shape;211;g22ab2d931f9_0_0:notes"/>
           <p:cNvSpPr txBox="1"/>
           <p:nvPr>
             <p:ph idx="1" type="body"/>
@@ -2640,7 +2640,7 @@
   <p:cSld>
     <p:spTree>
       <p:nvGrpSpPr>
-        <p:cNvPr id="219" name="Shape 219"/>
+        <p:cNvPr id="220" name="Shape 220"/>
         <p:cNvGrpSpPr/>
         <p:nvPr/>
       </p:nvGrpSpPr>
@@ -2654,7 +2654,7 @@
       </p:grpSpPr>
       <p:sp>
         <p:nvSpPr>
-          <p:cNvPr id="220" name="Google Shape;220;g22ab2d931f9_0_10:notes"/>
+          <p:cNvPr id="221" name="Google Shape;221;g22ab2d931f9_0_10:notes"/>
           <p:cNvSpPr/>
           <p:nvPr>
             <p:ph idx="2" type="sldImg"/>
@@ -2689,7 +2689,7 @@
       </p:sp>
       <p:sp>
         <p:nvSpPr>
-          <p:cNvPr id="221" name="Google Shape;221;g22ab2d931f9_0_10:notes"/>
+          <p:cNvPr id="222" name="Google Shape;222;g22ab2d931f9_0_10:notes"/>
           <p:cNvSpPr txBox="1"/>
           <p:nvPr>
             <p:ph idx="1" type="body"/>
@@ -2739,7 +2739,7 @@
   <p:cSld>
     <p:spTree>
       <p:nvGrpSpPr>
-        <p:cNvPr id="226" name="Shape 226"/>
+        <p:cNvPr id="227" name="Shape 227"/>
         <p:cNvGrpSpPr/>
         <p:nvPr/>
       </p:nvGrpSpPr>
@@ -2753,7 +2753,7 @@
       </p:grpSpPr>
       <p:sp>
         <p:nvSpPr>
-          <p:cNvPr id="227" name="Google Shape;227;g22ab2d931f9_0_22:notes"/>
+          <p:cNvPr id="228" name="Google Shape;228;g22ab2d931f9_0_22:notes"/>
           <p:cNvSpPr/>
           <p:nvPr>
             <p:ph idx="2" type="sldImg"/>
@@ -2788,7 +2788,7 @@
       </p:sp>
       <p:sp>
         <p:nvSpPr>
-          <p:cNvPr id="228" name="Google Shape;228;g22ab2d931f9_0_22:notes"/>
+          <p:cNvPr id="229" name="Google Shape;229;g22ab2d931f9_0_22:notes"/>
           <p:cNvSpPr txBox="1"/>
           <p:nvPr>
             <p:ph idx="1" type="body"/>
@@ -2838,7 +2838,7 @@
   <p:cSld>
     <p:spTree>
       <p:nvGrpSpPr>
-        <p:cNvPr id="234" name="Shape 234"/>
+        <p:cNvPr id="235" name="Shape 235"/>
         <p:cNvGrpSpPr/>
         <p:nvPr/>
       </p:nvGrpSpPr>
@@ -2852,7 +2852,7 @@
       </p:grpSpPr>
       <p:sp>
         <p:nvSpPr>
-          <p:cNvPr id="235" name="Google Shape;235;g2543b37da1b_0_0:notes"/>
+          <p:cNvPr id="236" name="Google Shape;236;g2543b37da1b_0_0:notes"/>
           <p:cNvSpPr/>
           <p:nvPr>
             <p:ph idx="2" type="sldImg"/>
@@ -2887,7 +2887,7 @@
       </p:sp>
       <p:sp>
         <p:nvSpPr>
-          <p:cNvPr id="236" name="Google Shape;236;g2543b37da1b_0_0:notes"/>
+          <p:cNvPr id="237" name="Google Shape;237;g2543b37da1b_0_0:notes"/>
           <p:cNvSpPr txBox="1"/>
           <p:nvPr>
             <p:ph idx="1" type="body"/>
@@ -3036,7 +3036,7 @@
   <p:cSld>
     <p:spTree>
       <p:nvGrpSpPr>
-        <p:cNvPr id="240" name="Shape 240"/>
+        <p:cNvPr id="241" name="Shape 241"/>
         <p:cNvGrpSpPr/>
         <p:nvPr/>
       </p:nvGrpSpPr>
@@ -3050,7 +3050,7 @@
       </p:grpSpPr>
       <p:sp>
         <p:nvSpPr>
-          <p:cNvPr id="241" name="Google Shape;241;g22ab2d931f9_0_29:notes"/>
+          <p:cNvPr id="242" name="Google Shape;242;g22ab2d931f9_0_29:notes"/>
           <p:cNvSpPr/>
           <p:nvPr>
             <p:ph idx="2" type="sldImg"/>
@@ -3085,7 +3085,7 @@
       </p:sp>
       <p:sp>
         <p:nvSpPr>
-          <p:cNvPr id="242" name="Google Shape;242;g22ab2d931f9_0_29:notes"/>
+          <p:cNvPr id="243" name="Google Shape;243;g22ab2d931f9_0_29:notes"/>
           <p:cNvSpPr txBox="1"/>
           <p:nvPr>
             <p:ph idx="1" type="body"/>
@@ -3135,7 +3135,7 @@
   <p:cSld>
     <p:spTree>
       <p:nvGrpSpPr>
-        <p:cNvPr id="248" name="Shape 248"/>
+        <p:cNvPr id="249" name="Shape 249"/>
         <p:cNvGrpSpPr/>
         <p:nvPr/>
       </p:nvGrpSpPr>
@@ -3149,7 +3149,7 @@
       </p:grpSpPr>
       <p:sp>
         <p:nvSpPr>
-          <p:cNvPr id="249" name="Google Shape;249;g22ab2d931f9_0_36:notes"/>
+          <p:cNvPr id="250" name="Google Shape;250;g22ab2d931f9_0_36:notes"/>
           <p:cNvSpPr/>
           <p:nvPr>
             <p:ph idx="2" type="sldImg"/>
@@ -3184,7 +3184,7 @@
       </p:sp>
       <p:sp>
         <p:nvSpPr>
-          <p:cNvPr id="250" name="Google Shape;250;g22ab2d931f9_0_36:notes"/>
+          <p:cNvPr id="251" name="Google Shape;251;g22ab2d931f9_0_36:notes"/>
           <p:cNvSpPr txBox="1"/>
           <p:nvPr>
             <p:ph idx="1" type="body"/>
@@ -3234,7 +3234,7 @@
   <p:cSld>
     <p:spTree>
       <p:nvGrpSpPr>
-        <p:cNvPr id="256" name="Shape 256"/>
+        <p:cNvPr id="257" name="Shape 257"/>
         <p:cNvGrpSpPr/>
         <p:nvPr/>
       </p:nvGrpSpPr>
@@ -3248,7 +3248,7 @@
       </p:grpSpPr>
       <p:sp>
         <p:nvSpPr>
-          <p:cNvPr id="257" name="Google Shape;257;g22ab2d931f9_0_43:notes"/>
+          <p:cNvPr id="258" name="Google Shape;258;g22ab2d931f9_0_43:notes"/>
           <p:cNvSpPr/>
           <p:nvPr>
             <p:ph idx="2" type="sldImg"/>
@@ -3283,7 +3283,7 @@
       </p:sp>
       <p:sp>
         <p:nvSpPr>
-          <p:cNvPr id="258" name="Google Shape;258;g22ab2d931f9_0_43:notes"/>
+          <p:cNvPr id="259" name="Google Shape;259;g22ab2d931f9_0_43:notes"/>
           <p:cNvSpPr txBox="1"/>
           <p:nvPr>
             <p:ph idx="1" type="body"/>
@@ -3333,7 +3333,7 @@
   <p:cSld>
     <p:spTree>
       <p:nvGrpSpPr>
-        <p:cNvPr id="264" name="Shape 264"/>
+        <p:cNvPr id="265" name="Shape 265"/>
         <p:cNvGrpSpPr/>
         <p:nvPr/>
       </p:nvGrpSpPr>
@@ -3347,7 +3347,7 @@
       </p:grpSpPr>
       <p:sp>
         <p:nvSpPr>
-          <p:cNvPr id="265" name="Google Shape;265;g22ab2d931f9_0_54:notes"/>
+          <p:cNvPr id="266" name="Google Shape;266;g22ab2d931f9_0_54:notes"/>
           <p:cNvSpPr/>
           <p:nvPr>
             <p:ph idx="2" type="sldImg"/>
@@ -3382,7 +3382,7 @@
       </p:sp>
       <p:sp>
         <p:nvSpPr>
-          <p:cNvPr id="266" name="Google Shape;266;g22ab2d931f9_0_54:notes"/>
+          <p:cNvPr id="267" name="Google Shape;267;g22ab2d931f9_0_54:notes"/>
           <p:cNvSpPr txBox="1"/>
           <p:nvPr>
             <p:ph idx="1" type="body"/>
@@ -3432,7 +3432,7 @@
   <p:cSld>
     <p:spTree>
       <p:nvGrpSpPr>
-        <p:cNvPr id="272" name="Shape 272"/>
+        <p:cNvPr id="273" name="Shape 273"/>
         <p:cNvGrpSpPr/>
         <p:nvPr/>
       </p:nvGrpSpPr>
@@ -3446,7 +3446,7 @@
       </p:grpSpPr>
       <p:sp>
         <p:nvSpPr>
-          <p:cNvPr id="273" name="Google Shape;273;g22ab2d931f9_0_61:notes"/>
+          <p:cNvPr id="274" name="Google Shape;274;g22ab2d931f9_0_61:notes"/>
           <p:cNvSpPr/>
           <p:nvPr>
             <p:ph idx="2" type="sldImg"/>
@@ -3481,7 +3481,7 @@
       </p:sp>
       <p:sp>
         <p:nvSpPr>
-          <p:cNvPr id="274" name="Google Shape;274;g22ab2d931f9_0_61:notes"/>
+          <p:cNvPr id="275" name="Google Shape;275;g22ab2d931f9_0_61:notes"/>
           <p:cNvSpPr txBox="1"/>
           <p:nvPr>
             <p:ph idx="1" type="body"/>
@@ -3531,7 +3531,7 @@
   <p:cSld>
     <p:spTree>
       <p:nvGrpSpPr>
-        <p:cNvPr id="280" name="Shape 280"/>
+        <p:cNvPr id="281" name="Shape 281"/>
         <p:cNvGrpSpPr/>
         <p:nvPr/>
       </p:nvGrpSpPr>
@@ -3545,7 +3545,7 @@
       </p:grpSpPr>
       <p:sp>
         <p:nvSpPr>
-          <p:cNvPr id="281" name="Google Shape;281;g22ab2d931f9_0_68:notes"/>
+          <p:cNvPr id="282" name="Google Shape;282;g22ab2d931f9_0_68:notes"/>
           <p:cNvSpPr/>
           <p:nvPr>
             <p:ph idx="2" type="sldImg"/>
@@ -3580,7 +3580,7 @@
       </p:sp>
       <p:sp>
         <p:nvSpPr>
-          <p:cNvPr id="282" name="Google Shape;282;g22ab2d931f9_0_68:notes"/>
+          <p:cNvPr id="283" name="Google Shape;283;g22ab2d931f9_0_68:notes"/>
           <p:cNvSpPr txBox="1"/>
           <p:nvPr>
             <p:ph idx="1" type="body"/>
@@ -3630,7 +3630,7 @@
   <p:cSld>
     <p:spTree>
       <p:nvGrpSpPr>
-        <p:cNvPr id="286" name="Shape 286"/>
+        <p:cNvPr id="287" name="Shape 287"/>
         <p:cNvGrpSpPr/>
         <p:nvPr/>
       </p:nvGrpSpPr>
@@ -3644,7 +3644,7 @@
       </p:grpSpPr>
       <p:sp>
         <p:nvSpPr>
-          <p:cNvPr id="287" name="Google Shape;287;g22ab2d931f9_0_73:notes"/>
+          <p:cNvPr id="288" name="Google Shape;288;g22ab2d931f9_0_73:notes"/>
           <p:cNvSpPr/>
           <p:nvPr>
             <p:ph idx="2" type="sldImg"/>
@@ -3679,7 +3679,7 @@
       </p:sp>
       <p:sp>
         <p:nvSpPr>
-          <p:cNvPr id="288" name="Google Shape;288;g22ab2d931f9_0_73:notes"/>
+          <p:cNvPr id="289" name="Google Shape;289;g22ab2d931f9_0_73:notes"/>
           <p:cNvSpPr txBox="1"/>
           <p:nvPr>
             <p:ph idx="1" type="body"/>
@@ -3729,7 +3729,7 @@
   <p:cSld>
     <p:spTree>
       <p:nvGrpSpPr>
-        <p:cNvPr id="292" name="Shape 292"/>
+        <p:cNvPr id="293" name="Shape 293"/>
         <p:cNvGrpSpPr/>
         <p:nvPr/>
       </p:nvGrpSpPr>
@@ -3743,7 +3743,7 @@
       </p:grpSpPr>
       <p:sp>
         <p:nvSpPr>
-          <p:cNvPr id="293" name="Google Shape;293;g22ab2d931f9_0_78:notes"/>
+          <p:cNvPr id="294" name="Google Shape;294;g22ab2d931f9_0_78:notes"/>
           <p:cNvSpPr/>
           <p:nvPr>
             <p:ph idx="2" type="sldImg"/>
@@ -3778,7 +3778,7 @@
       </p:sp>
       <p:sp>
         <p:nvSpPr>
-          <p:cNvPr id="294" name="Google Shape;294;g22ab2d931f9_0_78:notes"/>
+          <p:cNvPr id="295" name="Google Shape;295;g22ab2d931f9_0_78:notes"/>
           <p:cNvSpPr txBox="1"/>
           <p:nvPr>
             <p:ph idx="1" type="body"/>
@@ -3828,7 +3828,7 @@
   <p:cSld>
     <p:spTree>
       <p:nvGrpSpPr>
-        <p:cNvPr id="299" name="Shape 299"/>
+        <p:cNvPr id="300" name="Shape 300"/>
         <p:cNvGrpSpPr/>
         <p:nvPr/>
       </p:nvGrpSpPr>
@@ -3842,7 +3842,7 @@
       </p:grpSpPr>
       <p:sp>
         <p:nvSpPr>
-          <p:cNvPr id="300" name="Google Shape;300;g22ab2d931f9_0_110:notes"/>
+          <p:cNvPr id="301" name="Google Shape;301;g22ab2d931f9_0_110:notes"/>
           <p:cNvSpPr/>
           <p:nvPr>
             <p:ph idx="2" type="sldImg"/>
@@ -3877,7 +3877,7 @@
       </p:sp>
       <p:sp>
         <p:nvSpPr>
-          <p:cNvPr id="301" name="Google Shape;301;g22ab2d931f9_0_110:notes"/>
+          <p:cNvPr id="302" name="Google Shape;302;g22ab2d931f9_0_110:notes"/>
           <p:cNvSpPr txBox="1"/>
           <p:nvPr>
             <p:ph idx="1" type="body"/>
@@ -3927,7 +3927,7 @@
   <p:cSld>
     <p:spTree>
       <p:nvGrpSpPr>
-        <p:cNvPr id="304" name="Shape 304"/>
+        <p:cNvPr id="305" name="Shape 305"/>
         <p:cNvGrpSpPr/>
         <p:nvPr/>
       </p:nvGrpSpPr>
@@ -3941,7 +3941,7 @@
       </p:grpSpPr>
       <p:sp>
         <p:nvSpPr>
-          <p:cNvPr id="305" name="Google Shape;305;g22ab2d931f9_0_114:notes"/>
+          <p:cNvPr id="306" name="Google Shape;306;g22ab2d931f9_0_114:notes"/>
           <p:cNvSpPr/>
           <p:nvPr>
             <p:ph idx="2" type="sldImg"/>
@@ -3976,7 +3976,7 @@
       </p:sp>
       <p:sp>
         <p:nvSpPr>
-          <p:cNvPr id="306" name="Google Shape;306;g22ab2d931f9_0_114:notes"/>
+          <p:cNvPr id="307" name="Google Shape;307;g22ab2d931f9_0_114:notes"/>
           <p:cNvSpPr txBox="1"/>
           <p:nvPr>
             <p:ph idx="1" type="body"/>
@@ -4125,7 +4125,7 @@
   <p:cSld>
     <p:spTree>
       <p:nvGrpSpPr>
-        <p:cNvPr id="309" name="Shape 309"/>
+        <p:cNvPr id="310" name="Shape 310"/>
         <p:cNvGrpSpPr/>
         <p:nvPr/>
       </p:nvGrpSpPr>
@@ -4139,7 +4139,7 @@
       </p:grpSpPr>
       <p:sp>
         <p:nvSpPr>
-          <p:cNvPr id="310" name="Google Shape;310;g22ab2d931f9_0_118:notes"/>
+          <p:cNvPr id="311" name="Google Shape;311;g22ab2d931f9_0_118:notes"/>
           <p:cNvSpPr/>
           <p:nvPr>
             <p:ph idx="2" type="sldImg"/>
@@ -4174,7 +4174,7 @@
       </p:sp>
       <p:sp>
         <p:nvSpPr>
-          <p:cNvPr id="311" name="Google Shape;311;g22ab2d931f9_0_118:notes"/>
+          <p:cNvPr id="312" name="Google Shape;312;g22ab2d931f9_0_118:notes"/>
           <p:cNvSpPr txBox="1"/>
           <p:nvPr>
             <p:ph idx="1" type="body"/>
@@ -4224,7 +4224,7 @@
   <p:cSld>
     <p:spTree>
       <p:nvGrpSpPr>
-        <p:cNvPr id="314" name="Shape 314"/>
+        <p:cNvPr id="315" name="Shape 315"/>
         <p:cNvGrpSpPr/>
         <p:nvPr/>
       </p:nvGrpSpPr>
@@ -4238,7 +4238,7 @@
       </p:grpSpPr>
       <p:sp>
         <p:nvSpPr>
-          <p:cNvPr id="315" name="Google Shape;315;g2545b59bd59_0_0:notes"/>
+          <p:cNvPr id="316" name="Google Shape;316;g2545b59bd59_0_0:notes"/>
           <p:cNvSpPr/>
           <p:nvPr>
             <p:ph idx="2" type="sldImg"/>
@@ -4273,7 +4273,7 @@
       </p:sp>
       <p:sp>
         <p:nvSpPr>
-          <p:cNvPr id="316" name="Google Shape;316;g2545b59bd59_0_0:notes"/>
+          <p:cNvPr id="317" name="Google Shape;317;g2545b59bd59_0_0:notes"/>
           <p:cNvSpPr txBox="1"/>
           <p:nvPr>
             <p:ph idx="1" type="body"/>
@@ -4323,7 +4323,7 @@
   <p:cSld>
     <p:spTree>
       <p:nvGrpSpPr>
-        <p:cNvPr id="320" name="Shape 320"/>
+        <p:cNvPr id="321" name="Shape 321"/>
         <p:cNvGrpSpPr/>
         <p:nvPr/>
       </p:nvGrpSpPr>
@@ -4337,7 +4337,7 @@
       </p:grpSpPr>
       <p:sp>
         <p:nvSpPr>
-          <p:cNvPr id="321" name="Google Shape;321;g290740e3554_0_6:notes"/>
+          <p:cNvPr id="322" name="Google Shape;322;g290740e3554_0_6:notes"/>
           <p:cNvSpPr/>
           <p:nvPr>
             <p:ph idx="2" type="sldImg"/>
@@ -4372,7 +4372,7 @@
       </p:sp>
       <p:sp>
         <p:nvSpPr>
-          <p:cNvPr id="322" name="Google Shape;322;g290740e3554_0_6:notes"/>
+          <p:cNvPr id="323" name="Google Shape;323;g290740e3554_0_6:notes"/>
           <p:cNvSpPr txBox="1"/>
           <p:nvPr>
             <p:ph idx="1" type="body"/>
@@ -4422,7 +4422,7 @@
   <p:cSld>
     <p:spTree>
       <p:nvGrpSpPr>
-        <p:cNvPr id="326" name="Shape 326"/>
+        <p:cNvPr id="327" name="Shape 327"/>
         <p:cNvGrpSpPr/>
         <p:nvPr/>
       </p:nvGrpSpPr>
@@ -4436,7 +4436,7 @@
       </p:grpSpPr>
       <p:sp>
         <p:nvSpPr>
-          <p:cNvPr id="327" name="Google Shape;327;g22ab2d931f9_0_84:notes"/>
+          <p:cNvPr id="328" name="Google Shape;328;g22ab2d931f9_0_84:notes"/>
           <p:cNvSpPr/>
           <p:nvPr>
             <p:ph idx="2" type="sldImg"/>
@@ -4471,7 +4471,7 @@
       </p:sp>
       <p:sp>
         <p:nvSpPr>
-          <p:cNvPr id="328" name="Google Shape;328;g22ab2d931f9_0_84:notes"/>
+          <p:cNvPr id="329" name="Google Shape;329;g22ab2d931f9_0_84:notes"/>
           <p:cNvSpPr txBox="1"/>
           <p:nvPr>
             <p:ph idx="1" type="body"/>
@@ -4521,7 +4521,7 @@
   <p:cSld>
     <p:spTree>
       <p:nvGrpSpPr>
-        <p:cNvPr id="333" name="Shape 333"/>
+        <p:cNvPr id="334" name="Shape 334"/>
         <p:cNvGrpSpPr/>
         <p:nvPr/>
       </p:nvGrpSpPr>
@@ -4535,7 +4535,7 @@
       </p:grpSpPr>
       <p:sp>
         <p:nvSpPr>
-          <p:cNvPr id="334" name="Google Shape;334;g22ab2d931f9_0_90:notes"/>
+          <p:cNvPr id="335" name="Google Shape;335;g22ab2d931f9_0_90:notes"/>
           <p:cNvSpPr/>
           <p:nvPr>
             <p:ph idx="2" type="sldImg"/>
@@ -4570,7 +4570,7 @@
       </p:sp>
       <p:sp>
         <p:nvSpPr>
-          <p:cNvPr id="335" name="Google Shape;335;g22ab2d931f9_0_90:notes"/>
+          <p:cNvPr id="336" name="Google Shape;336;g22ab2d931f9_0_90:notes"/>
           <p:cNvSpPr txBox="1"/>
           <p:nvPr>
             <p:ph idx="1" type="body"/>
@@ -4620,7 +4620,7 @@
   <p:cSld>
     <p:spTree>
       <p:nvGrpSpPr>
-        <p:cNvPr id="340" name="Shape 340"/>
+        <p:cNvPr id="341" name="Shape 341"/>
         <p:cNvGrpSpPr/>
         <p:nvPr/>
       </p:nvGrpSpPr>
@@ -4634,7 +4634,7 @@
       </p:grpSpPr>
       <p:sp>
         <p:nvSpPr>
-          <p:cNvPr id="341" name="Google Shape;341;g22ab2d931f9_0_96:notes"/>
+          <p:cNvPr id="342" name="Google Shape;342;g22ab2d931f9_0_96:notes"/>
           <p:cNvSpPr/>
           <p:nvPr>
             <p:ph idx="2" type="sldImg"/>
@@ -4669,7 +4669,7 @@
       </p:sp>
       <p:sp>
         <p:nvSpPr>
-          <p:cNvPr id="342" name="Google Shape;342;g22ab2d931f9_0_96:notes"/>
+          <p:cNvPr id="343" name="Google Shape;343;g22ab2d931f9_0_96:notes"/>
           <p:cNvSpPr txBox="1"/>
           <p:nvPr>
             <p:ph idx="1" type="body"/>
@@ -4719,7 +4719,7 @@
   <p:cSld>
     <p:spTree>
       <p:nvGrpSpPr>
-        <p:cNvPr id="348" name="Shape 348"/>
+        <p:cNvPr id="349" name="Shape 349"/>
         <p:cNvGrpSpPr/>
         <p:nvPr/>
       </p:nvGrpSpPr>
@@ -4733,7 +4733,7 @@
       </p:grpSpPr>
       <p:sp>
         <p:nvSpPr>
-          <p:cNvPr id="349" name="Google Shape;349;g22ab2d931f9_0_167:notes"/>
+          <p:cNvPr id="350" name="Google Shape;350;g22ab2d931f9_0_167:notes"/>
           <p:cNvSpPr/>
           <p:nvPr>
             <p:ph idx="2" type="sldImg"/>
@@ -4768,7 +4768,7 @@
       </p:sp>
       <p:sp>
         <p:nvSpPr>
-          <p:cNvPr id="350" name="Google Shape;350;g22ab2d931f9_0_167:notes"/>
+          <p:cNvPr id="351" name="Google Shape;351;g22ab2d931f9_0_167:notes"/>
           <p:cNvSpPr txBox="1"/>
           <p:nvPr>
             <p:ph idx="1" type="body"/>
@@ -4818,7 +4818,7 @@
   <p:cSld>
     <p:spTree>
       <p:nvGrpSpPr>
-        <p:cNvPr id="353" name="Shape 353"/>
+        <p:cNvPr id="354" name="Shape 354"/>
         <p:cNvGrpSpPr/>
         <p:nvPr/>
       </p:nvGrpSpPr>
@@ -4832,7 +4832,7 @@
       </p:grpSpPr>
       <p:sp>
         <p:nvSpPr>
-          <p:cNvPr id="354" name="Google Shape;354;g22ab2d931f9_0_103:notes"/>
+          <p:cNvPr id="355" name="Google Shape;355;g22ab2d931f9_0_103:notes"/>
           <p:cNvSpPr/>
           <p:nvPr>
             <p:ph idx="2" type="sldImg"/>
@@ -4867,7 +4867,7 @@
       </p:sp>
       <p:sp>
         <p:nvSpPr>
-          <p:cNvPr id="355" name="Google Shape;355;g22ab2d931f9_0_103:notes"/>
+          <p:cNvPr id="356" name="Google Shape;356;g22ab2d931f9_0_103:notes"/>
           <p:cNvSpPr txBox="1"/>
           <p:nvPr>
             <p:ph idx="1" type="body"/>
@@ -4917,7 +4917,7 @@
   <p:cSld>
     <p:spTree>
       <p:nvGrpSpPr>
-        <p:cNvPr id="361" name="Shape 361"/>
+        <p:cNvPr id="362" name="Shape 362"/>
         <p:cNvGrpSpPr/>
         <p:nvPr/>
       </p:nvGrpSpPr>
@@ -4931,7 +4931,7 @@
       </p:grpSpPr>
       <p:sp>
         <p:nvSpPr>
-          <p:cNvPr id="362" name="Google Shape;362;g2545b59bd59_0_5:notes"/>
+          <p:cNvPr id="363" name="Google Shape;363;g2545b59bd59_0_5:notes"/>
           <p:cNvSpPr/>
           <p:nvPr>
             <p:ph idx="2" type="sldImg"/>
@@ -4966,7 +4966,7 @@
       </p:sp>
       <p:sp>
         <p:nvSpPr>
-          <p:cNvPr id="363" name="Google Shape;363;g2545b59bd59_0_5:notes"/>
+          <p:cNvPr id="364" name="Google Shape;364;g2545b59bd59_0_5:notes"/>
           <p:cNvSpPr txBox="1"/>
           <p:nvPr>
             <p:ph idx="1" type="body"/>
@@ -5016,7 +5016,7 @@
   <p:cSld>
     <p:spTree>
       <p:nvGrpSpPr>
-        <p:cNvPr id="366" name="Shape 366"/>
+        <p:cNvPr id="367" name="Shape 367"/>
         <p:cNvGrpSpPr/>
         <p:nvPr/>
       </p:nvGrpSpPr>
@@ -5030,7 +5030,7 @@
       </p:grpSpPr>
       <p:sp>
         <p:nvSpPr>
-          <p:cNvPr id="367" name="Google Shape;367;g2545b59bd59_0_11:notes"/>
+          <p:cNvPr id="368" name="Google Shape;368;g2545b59bd59_0_11:notes"/>
           <p:cNvSpPr/>
           <p:nvPr>
             <p:ph idx="2" type="sldImg"/>
@@ -5065,7 +5065,7 @@
       </p:sp>
       <p:sp>
         <p:nvSpPr>
-          <p:cNvPr id="368" name="Google Shape;368;g2545b59bd59_0_11:notes"/>
+          <p:cNvPr id="369" name="Google Shape;369;g2545b59bd59_0_11:notes"/>
           <p:cNvSpPr txBox="1"/>
           <p:nvPr>
             <p:ph idx="1" type="body"/>
@@ -12631,7 +12631,7 @@
         <p:spPr>
           <a:xfrm>
             <a:off x="311700" y="1152475"/>
-            <a:ext cx="8520600" cy="3416400"/>
+            <a:ext cx="4260300" cy="3416400"/>
           </a:xfrm>
           <a:prstGeom prst="rect">
             <a:avLst/>
@@ -12723,6 +12723,34 @@
           </a:p>
         </p:txBody>
       </p:sp>
+      <p:pic>
+        <p:nvPicPr>
+          <p:cNvPr id="134" name="Google Shape;134;p25"/>
+          <p:cNvPicPr preferRelativeResize="0"/>
+          <p:nvPr/>
+        </p:nvPicPr>
+        <p:blipFill>
+          <a:blip r:embed="rId3">
+            <a:alphaModFix/>
+          </a:blip>
+          <a:stretch>
+            <a:fillRect/>
+          </a:stretch>
+        </p:blipFill>
+        <p:spPr>
+          <a:xfrm>
+            <a:off x="4724400" y="1170125"/>
+            <a:ext cx="4267201" cy="2564631"/>
+          </a:xfrm>
+          <a:prstGeom prst="rect">
+            <a:avLst/>
+          </a:prstGeom>
+          <a:noFill/>
+          <a:ln>
+            <a:noFill/>
+          </a:ln>
+        </p:spPr>
+      </p:pic>
     </p:spTree>
   </p:cSld>
   <p:clrMapOvr>
@@ -13011,7 +13039,7 @@
   <p:cSld>
     <p:spTree>
       <p:nvGrpSpPr>
-        <p:cNvPr id="137" name="Shape 137"/>
+        <p:cNvPr id="138" name="Shape 138"/>
         <p:cNvGrpSpPr/>
         <p:nvPr/>
       </p:nvGrpSpPr>
@@ -13025,7 +13053,7 @@
       </p:grpSpPr>
       <p:sp>
         <p:nvSpPr>
-          <p:cNvPr id="138" name="Google Shape;138;p26"/>
+          <p:cNvPr id="139" name="Google Shape;139;p26"/>
           <p:cNvSpPr txBox="1"/>
           <p:nvPr>
             <p:ph type="title"/>
@@ -13065,7 +13093,7 @@
       </p:sp>
       <p:sp>
         <p:nvSpPr>
-          <p:cNvPr id="139" name="Google Shape;139;p26"/>
+          <p:cNvPr id="140" name="Google Shape;140;p26"/>
           <p:cNvSpPr txBox="1"/>
           <p:nvPr>
             <p:ph idx="1" type="body"/>
@@ -13198,7 +13226,7 @@
                                           </p:stCondLst>
                                         </p:cTn>
                                         <p:tgtEl>
-                                          <p:spTgt spid="139">
+                                          <p:spTgt spid="140">
                                             <p:txEl>
                                               <p:pRg end="0" st="0"/>
                                             </p:txEl>
@@ -13247,7 +13275,7 @@
                                           </p:stCondLst>
                                         </p:cTn>
                                         <p:tgtEl>
-                                          <p:spTgt spid="139">
+                                          <p:spTgt spid="140">
                                             <p:txEl>
                                               <p:pRg end="1" st="1"/>
                                             </p:txEl>
@@ -13296,7 +13324,7 @@
                                           </p:stCondLst>
                                         </p:cTn>
                                         <p:tgtEl>
-                                          <p:spTgt spid="139">
+                                          <p:spTgt spid="140">
                                             <p:txEl>
                                               <p:pRg end="2" st="2"/>
                                             </p:txEl>
@@ -13345,7 +13373,7 @@
                                           </p:stCondLst>
                                         </p:cTn>
                                         <p:tgtEl>
-                                          <p:spTgt spid="139">
+                                          <p:spTgt spid="140">
                                             <p:txEl>
                                               <p:pRg end="3" st="3"/>
                                             </p:txEl>
@@ -13398,7 +13426,7 @@
   <p:cSld>
     <p:spTree>
       <p:nvGrpSpPr>
-        <p:cNvPr id="143" name="Shape 143"/>
+        <p:cNvPr id="144" name="Shape 144"/>
         <p:cNvGrpSpPr/>
         <p:nvPr/>
       </p:nvGrpSpPr>
@@ -13412,7 +13440,7 @@
       </p:grpSpPr>
       <p:pic>
         <p:nvPicPr>
-          <p:cNvPr id="144" name="Google Shape;144;p27"/>
+          <p:cNvPr id="145" name="Google Shape;145;p27"/>
           <p:cNvPicPr preferRelativeResize="0"/>
           <p:nvPr/>
         </p:nvPicPr>
@@ -13451,7 +13479,7 @@
   <p:cSld>
     <p:spTree>
       <p:nvGrpSpPr>
-        <p:cNvPr id="148" name="Shape 148"/>
+        <p:cNvPr id="149" name="Shape 149"/>
         <p:cNvGrpSpPr/>
         <p:nvPr/>
       </p:nvGrpSpPr>
@@ -13465,7 +13493,7 @@
       </p:grpSpPr>
       <p:sp>
         <p:nvSpPr>
-          <p:cNvPr id="149" name="Google Shape;149;p28"/>
+          <p:cNvPr id="150" name="Google Shape;150;p28"/>
           <p:cNvSpPr txBox="1"/>
           <p:nvPr>
             <p:ph type="title"/>
@@ -13505,7 +13533,7 @@
       </p:sp>
       <p:graphicFrame>
         <p:nvGraphicFramePr>
-          <p:cNvPr id="150" name="Google Shape;150;p28"/>
+          <p:cNvPr id="151" name="Google Shape;151;p28"/>
           <p:cNvGraphicFramePr/>
           <p:nvPr/>
         </p:nvGraphicFramePr>
@@ -13518,7 +13546,7 @@
             <a:tbl>
               <a:tblPr>
                 <a:noFill/>
-                <a:tableStyleId>{52337F98-8EF9-412F-AEF2-26FA9DA2988D}</a:tableStyleId>
+                <a:tableStyleId>{943600A6-9596-4092-8F08-77541A99854A}</a:tableStyleId>
               </a:tblPr>
               <a:tblGrid>
                 <a:gridCol w="3619500"/>
@@ -13855,7 +13883,7 @@
                                           </p:stCondLst>
                                         </p:cTn>
                                         <p:tgtEl>
-                                          <p:spTgt spid="150"/>
+                                          <p:spTgt spid="151"/>
                                         </p:tgtEl>
                                         <p:attrNameLst>
                                           <p:attrName>style.visibility</p:attrName>
@@ -13904,7 +13932,7 @@
   <p:cSld>
     <p:spTree>
       <p:nvGrpSpPr>
-        <p:cNvPr id="154" name="Shape 154"/>
+        <p:cNvPr id="155" name="Shape 155"/>
         <p:cNvGrpSpPr/>
         <p:nvPr/>
       </p:nvGrpSpPr>
@@ -13918,7 +13946,7 @@
       </p:grpSpPr>
       <p:sp>
         <p:nvSpPr>
-          <p:cNvPr id="155" name="Google Shape;155;p29"/>
+          <p:cNvPr id="156" name="Google Shape;156;p29"/>
           <p:cNvSpPr txBox="1"/>
           <p:nvPr>
             <p:ph type="title"/>
@@ -13958,7 +13986,7 @@
       </p:sp>
       <p:sp>
         <p:nvSpPr>
-          <p:cNvPr id="156" name="Google Shape;156;p29"/>
+          <p:cNvPr id="157" name="Google Shape;157;p29"/>
           <p:cNvSpPr txBox="1"/>
           <p:nvPr>
             <p:ph idx="1" type="body"/>
@@ -14008,7 +14036,7 @@
   <p:cSld>
     <p:spTree>
       <p:nvGrpSpPr>
-        <p:cNvPr id="160" name="Shape 160"/>
+        <p:cNvPr id="161" name="Shape 161"/>
         <p:cNvGrpSpPr/>
         <p:nvPr/>
       </p:nvGrpSpPr>
@@ -14022,7 +14050,7 @@
       </p:grpSpPr>
       <p:sp>
         <p:nvSpPr>
-          <p:cNvPr id="161" name="Google Shape;161;p30"/>
+          <p:cNvPr id="162" name="Google Shape;162;p30"/>
           <p:cNvSpPr txBox="1"/>
           <p:nvPr>
             <p:ph type="title"/>
@@ -14062,7 +14090,7 @@
       </p:sp>
       <p:sp>
         <p:nvSpPr>
-          <p:cNvPr id="162" name="Google Shape;162;p30"/>
+          <p:cNvPr id="163" name="Google Shape;163;p30"/>
           <p:cNvSpPr txBox="1"/>
           <p:nvPr>
             <p:ph idx="1" type="body"/>
@@ -14165,7 +14193,7 @@
       </p:sp>
       <p:pic>
         <p:nvPicPr>
-          <p:cNvPr id="163" name="Google Shape;163;p30"/>
+          <p:cNvPr id="164" name="Google Shape;164;p30"/>
           <p:cNvPicPr preferRelativeResize="0"/>
           <p:nvPr/>
         </p:nvPicPr>
@@ -14230,7 +14258,7 @@
                                           </p:stCondLst>
                                         </p:cTn>
                                         <p:tgtEl>
-                                          <p:spTgt spid="162">
+                                          <p:spTgt spid="163">
                                             <p:txEl>
                                               <p:pRg end="0" st="0"/>
                                             </p:txEl>
@@ -14279,7 +14307,7 @@
                                           </p:stCondLst>
                                         </p:cTn>
                                         <p:tgtEl>
-                                          <p:spTgt spid="162">
+                                          <p:spTgt spid="163">
                                             <p:txEl>
                                               <p:pRg end="1" st="1"/>
                                             </p:txEl>
@@ -14328,7 +14356,7 @@
                                           </p:stCondLst>
                                         </p:cTn>
                                         <p:tgtEl>
-                                          <p:spTgt spid="162">
+                                          <p:spTgt spid="163">
                                             <p:txEl>
                                               <p:pRg end="2" st="2"/>
                                             </p:txEl>
@@ -14377,7 +14405,7 @@
                                           </p:stCondLst>
                                         </p:cTn>
                                         <p:tgtEl>
-                                          <p:spTgt spid="162">
+                                          <p:spTgt spid="163">
                                             <p:txEl>
                                               <p:pRg end="3" st="3"/>
                                             </p:txEl>
@@ -14426,7 +14454,7 @@
                                           </p:stCondLst>
                                         </p:cTn>
                                         <p:tgtEl>
-                                          <p:spTgt spid="162">
+                                          <p:spTgt spid="163">
                                             <p:txEl>
                                               <p:pRg end="4" st="4"/>
                                             </p:txEl>
@@ -14479,7 +14507,7 @@
   <p:cSld>
     <p:spTree>
       <p:nvGrpSpPr>
-        <p:cNvPr id="167" name="Shape 167"/>
+        <p:cNvPr id="168" name="Shape 168"/>
         <p:cNvGrpSpPr/>
         <p:nvPr/>
       </p:nvGrpSpPr>
@@ -14493,7 +14521,7 @@
       </p:grpSpPr>
       <p:sp>
         <p:nvSpPr>
-          <p:cNvPr id="168" name="Google Shape;168;p31"/>
+          <p:cNvPr id="169" name="Google Shape;169;p31"/>
           <p:cNvSpPr txBox="1"/>
           <p:nvPr>
             <p:ph type="title"/>
@@ -14533,7 +14561,7 @@
       </p:sp>
       <p:sp>
         <p:nvSpPr>
-          <p:cNvPr id="169" name="Google Shape;169;p31"/>
+          <p:cNvPr id="170" name="Google Shape;170;p31"/>
           <p:cNvSpPr txBox="1"/>
           <p:nvPr>
             <p:ph idx="1" type="body"/>
@@ -14759,7 +14787,7 @@
                                           </p:stCondLst>
                                         </p:cTn>
                                         <p:tgtEl>
-                                          <p:spTgt spid="169">
+                                          <p:spTgt spid="170">
                                             <p:txEl>
                                               <p:pRg end="0" st="0"/>
                                             </p:txEl>
@@ -14808,7 +14836,7 @@
                                           </p:stCondLst>
                                         </p:cTn>
                                         <p:tgtEl>
-                                          <p:spTgt spid="169">
+                                          <p:spTgt spid="170">
                                             <p:txEl>
                                               <p:pRg end="1" st="1"/>
                                             </p:txEl>
@@ -14857,7 +14885,7 @@
                                           </p:stCondLst>
                                         </p:cTn>
                                         <p:tgtEl>
-                                          <p:spTgt spid="169">
+                                          <p:spTgt spid="170">
                                             <p:txEl>
                                               <p:pRg end="2" st="2"/>
                                             </p:txEl>
@@ -14906,7 +14934,7 @@
                                           </p:stCondLst>
                                         </p:cTn>
                                         <p:tgtEl>
-                                          <p:spTgt spid="169">
+                                          <p:spTgt spid="170">
                                             <p:txEl>
                                               <p:pRg end="3" st="3"/>
                                             </p:txEl>
@@ -14955,7 +14983,7 @@
                                           </p:stCondLst>
                                         </p:cTn>
                                         <p:tgtEl>
-                                          <p:spTgt spid="169">
+                                          <p:spTgt spid="170">
                                             <p:txEl>
                                               <p:pRg end="4" st="4"/>
                                             </p:txEl>
@@ -15004,7 +15032,7 @@
                                           </p:stCondLst>
                                         </p:cTn>
                                         <p:tgtEl>
-                                          <p:spTgt spid="169">
+                                          <p:spTgt spid="170">
                                             <p:txEl>
                                               <p:pRg end="5" st="5"/>
                                             </p:txEl>
@@ -15053,7 +15081,7 @@
                                           </p:stCondLst>
                                         </p:cTn>
                                         <p:tgtEl>
-                                          <p:spTgt spid="169">
+                                          <p:spTgt spid="170">
                                             <p:txEl>
                                               <p:pRg end="6" st="6"/>
                                             </p:txEl>
@@ -15102,7 +15130,7 @@
                                           </p:stCondLst>
                                         </p:cTn>
                                         <p:tgtEl>
-                                          <p:spTgt spid="169">
+                                          <p:spTgt spid="170">
                                             <p:txEl>
                                               <p:pRg end="7" st="7"/>
                                             </p:txEl>
@@ -15151,7 +15179,7 @@
                                           </p:stCondLst>
                                         </p:cTn>
                                         <p:tgtEl>
-                                          <p:spTgt spid="169">
+                                          <p:spTgt spid="170">
                                             <p:txEl>
                                               <p:pRg end="8" st="8"/>
                                             </p:txEl>
@@ -15743,7 +15771,7 @@
   <p:cSld>
     <p:spTree>
       <p:nvGrpSpPr>
-        <p:cNvPr id="173" name="Shape 173"/>
+        <p:cNvPr id="174" name="Shape 174"/>
         <p:cNvGrpSpPr/>
         <p:nvPr/>
       </p:nvGrpSpPr>
@@ -15757,7 +15785,7 @@
       </p:grpSpPr>
       <p:sp>
         <p:nvSpPr>
-          <p:cNvPr id="174" name="Google Shape;174;p32"/>
+          <p:cNvPr id="175" name="Google Shape;175;p32"/>
           <p:cNvSpPr txBox="1"/>
           <p:nvPr>
             <p:ph type="title"/>
@@ -15797,7 +15825,7 @@
       </p:sp>
       <p:sp>
         <p:nvSpPr>
-          <p:cNvPr id="175" name="Google Shape;175;p32"/>
+          <p:cNvPr id="176" name="Google Shape;176;p32"/>
           <p:cNvSpPr txBox="1"/>
           <p:nvPr>
             <p:ph idx="1" type="body"/>
@@ -15924,7 +15952,7 @@
             </a:pPr>
             <a:r>
               <a:rPr lang="en"/>
-              <a:t>Interquartile range measures spread between 75th and 25th percentiles</a:t>
+              <a:t>Interquartile range measures spread between 25th and 75th percentiles</a:t>
             </a:r>
             <a:endParaRPr/>
           </a:p>
@@ -15985,7 +16013,7 @@
                                           </p:stCondLst>
                                         </p:cTn>
                                         <p:tgtEl>
-                                          <p:spTgt spid="175">
+                                          <p:spTgt spid="176">
                                             <p:txEl>
                                               <p:pRg end="0" st="0"/>
                                             </p:txEl>
@@ -16034,7 +16062,7 @@
                                           </p:stCondLst>
                                         </p:cTn>
                                         <p:tgtEl>
-                                          <p:spTgt spid="175">
+                                          <p:spTgt spid="176">
                                             <p:txEl>
                                               <p:pRg end="1" st="1"/>
                                             </p:txEl>
@@ -16083,7 +16111,7 @@
                                           </p:stCondLst>
                                         </p:cTn>
                                         <p:tgtEl>
-                                          <p:spTgt spid="175">
+                                          <p:spTgt spid="176">
                                             <p:txEl>
                                               <p:pRg end="2" st="2"/>
                                             </p:txEl>
@@ -16132,7 +16160,7 @@
                                           </p:stCondLst>
                                         </p:cTn>
                                         <p:tgtEl>
-                                          <p:spTgt spid="175">
+                                          <p:spTgt spid="176">
                                             <p:txEl>
                                               <p:pRg end="3" st="3"/>
                                             </p:txEl>
@@ -16181,7 +16209,7 @@
                                           </p:stCondLst>
                                         </p:cTn>
                                         <p:tgtEl>
-                                          <p:spTgt spid="175">
+                                          <p:spTgt spid="176">
                                             <p:txEl>
                                               <p:pRg end="4" st="4"/>
                                             </p:txEl>
@@ -16230,7 +16258,7 @@
                                           </p:stCondLst>
                                         </p:cTn>
                                         <p:tgtEl>
-                                          <p:spTgt spid="175">
+                                          <p:spTgt spid="176">
                                             <p:txEl>
                                               <p:pRg end="5" st="5"/>
                                             </p:txEl>
@@ -16279,7 +16307,7 @@
                                           </p:stCondLst>
                                         </p:cTn>
                                         <p:tgtEl>
-                                          <p:spTgt spid="175">
+                                          <p:spTgt spid="176">
                                             <p:txEl>
                                               <p:pRg end="6" st="6"/>
                                             </p:txEl>
@@ -16328,7 +16356,7 @@
                                           </p:stCondLst>
                                         </p:cTn>
                                         <p:tgtEl>
-                                          <p:spTgt spid="175">
+                                          <p:spTgt spid="176">
                                             <p:txEl>
                                               <p:pRg end="7" st="7"/>
                                             </p:txEl>
@@ -16381,7 +16409,7 @@
   <p:cSld>
     <p:spTree>
       <p:nvGrpSpPr>
-        <p:cNvPr id="179" name="Shape 179"/>
+        <p:cNvPr id="180" name="Shape 180"/>
         <p:cNvGrpSpPr/>
         <p:nvPr/>
       </p:nvGrpSpPr>
@@ -16395,7 +16423,7 @@
       </p:grpSpPr>
       <p:sp>
         <p:nvSpPr>
-          <p:cNvPr id="180" name="Google Shape;180;p33"/>
+          <p:cNvPr id="181" name="Google Shape;181;p33"/>
           <p:cNvSpPr txBox="1"/>
           <p:nvPr>
             <p:ph type="title"/>
@@ -16435,7 +16463,7 @@
       </p:sp>
       <p:sp>
         <p:nvSpPr>
-          <p:cNvPr id="181" name="Google Shape;181;p33"/>
+          <p:cNvPr id="182" name="Google Shape;182;p33"/>
           <p:cNvSpPr txBox="1"/>
           <p:nvPr>
             <p:ph idx="1" type="body"/>
@@ -16494,7 +16522,7 @@
   <p:cSld>
     <p:spTree>
       <p:nvGrpSpPr>
-        <p:cNvPr id="185" name="Shape 185"/>
+        <p:cNvPr id="186" name="Shape 186"/>
         <p:cNvGrpSpPr/>
         <p:nvPr/>
       </p:nvGrpSpPr>
@@ -16508,7 +16536,7 @@
       </p:grpSpPr>
       <p:sp>
         <p:nvSpPr>
-          <p:cNvPr id="186" name="Google Shape;186;p34"/>
+          <p:cNvPr id="187" name="Google Shape;187;p34"/>
           <p:cNvSpPr txBox="1"/>
           <p:nvPr>
             <p:ph type="title"/>
@@ -16548,7 +16576,7 @@
       </p:sp>
       <p:sp>
         <p:nvSpPr>
-          <p:cNvPr id="187" name="Google Shape;187;p34"/>
+          <p:cNvPr id="188" name="Google Shape;188;p34"/>
           <p:cNvSpPr txBox="1"/>
           <p:nvPr>
             <p:ph idx="1" type="body"/>
@@ -16672,7 +16700,7 @@
                                           </p:stCondLst>
                                         </p:cTn>
                                         <p:tgtEl>
-                                          <p:spTgt spid="187">
+                                          <p:spTgt spid="188">
                                             <p:txEl>
                                               <p:pRg end="0" st="0"/>
                                             </p:txEl>
@@ -16721,7 +16749,7 @@
                                           </p:stCondLst>
                                         </p:cTn>
                                         <p:tgtEl>
-                                          <p:spTgt spid="187">
+                                          <p:spTgt spid="188">
                                             <p:txEl>
                                               <p:pRg end="1" st="1"/>
                                             </p:txEl>
@@ -16770,7 +16798,7 @@
                                           </p:stCondLst>
                                         </p:cTn>
                                         <p:tgtEl>
-                                          <p:spTgt spid="187">
+                                          <p:spTgt spid="188">
                                             <p:txEl>
                                               <p:pRg end="2" st="2"/>
                                             </p:txEl>
@@ -16819,7 +16847,7 @@
                                           </p:stCondLst>
                                         </p:cTn>
                                         <p:tgtEl>
-                                          <p:spTgt spid="187">
+                                          <p:spTgt spid="188">
                                             <p:txEl>
                                               <p:pRg end="3" st="3"/>
                                             </p:txEl>
@@ -16872,7 +16900,7 @@
   <p:cSld>
     <p:spTree>
       <p:nvGrpSpPr>
-        <p:cNvPr id="191" name="Shape 191"/>
+        <p:cNvPr id="192" name="Shape 192"/>
         <p:cNvGrpSpPr/>
         <p:nvPr/>
       </p:nvGrpSpPr>
@@ -16886,7 +16914,7 @@
       </p:grpSpPr>
       <p:sp>
         <p:nvSpPr>
-          <p:cNvPr id="192" name="Google Shape;192;p35"/>
+          <p:cNvPr id="193" name="Google Shape;193;p35"/>
           <p:cNvSpPr txBox="1"/>
           <p:nvPr>
             <p:ph type="title"/>
@@ -16926,7 +16954,7 @@
       </p:sp>
       <p:sp>
         <p:nvSpPr>
-          <p:cNvPr id="193" name="Google Shape;193;p35"/>
+          <p:cNvPr id="194" name="Google Shape;194;p35"/>
           <p:cNvSpPr txBox="1"/>
           <p:nvPr>
             <p:ph idx="1" type="body"/>
@@ -16966,7 +16994,7 @@
       </p:sp>
       <p:graphicFrame>
         <p:nvGraphicFramePr>
-          <p:cNvPr id="194" name="Google Shape;194;p35"/>
+          <p:cNvPr id="195" name="Google Shape;195;p35"/>
           <p:cNvGraphicFramePr/>
           <p:nvPr/>
         </p:nvGraphicFramePr>
@@ -16979,7 +17007,7 @@
             <a:tbl>
               <a:tblPr>
                 <a:noFill/>
-                <a:tableStyleId>{52337F98-8EF9-412F-AEF2-26FA9DA2988D}</a:tableStyleId>
+                <a:tableStyleId>{943600A6-9596-4092-8F08-77541A99854A}</a:tableStyleId>
               </a:tblPr>
               <a:tblGrid>
                 <a:gridCol w="1809750"/>
@@ -17572,7 +17600,7 @@
   <p:cSld>
     <p:spTree>
       <p:nvGrpSpPr>
-        <p:cNvPr id="198" name="Shape 198"/>
+        <p:cNvPr id="199" name="Shape 199"/>
         <p:cNvGrpSpPr/>
         <p:nvPr/>
       </p:nvGrpSpPr>
@@ -17586,7 +17614,7 @@
       </p:grpSpPr>
       <p:sp>
         <p:nvSpPr>
-          <p:cNvPr id="199" name="Google Shape;199;p36"/>
+          <p:cNvPr id="200" name="Google Shape;200;p36"/>
           <p:cNvSpPr txBox="1"/>
           <p:nvPr>
             <p:ph type="title"/>
@@ -17626,7 +17654,7 @@
       </p:sp>
       <p:sp>
         <p:nvSpPr>
-          <p:cNvPr id="200" name="Google Shape;200;p36"/>
+          <p:cNvPr id="201" name="Google Shape;201;p36"/>
           <p:cNvSpPr txBox="1"/>
           <p:nvPr>
             <p:ph idx="1" type="body"/>
@@ -17730,7 +17758,7 @@
       </p:sp>
       <p:pic>
         <p:nvPicPr>
-          <p:cNvPr id="201" name="Google Shape;201;p36"/>
+          <p:cNvPr id="202" name="Google Shape;202;p36"/>
           <p:cNvPicPr preferRelativeResize="0"/>
           <p:nvPr/>
         </p:nvPicPr>
@@ -17795,7 +17823,7 @@
                                           </p:stCondLst>
                                         </p:cTn>
                                         <p:tgtEl>
-                                          <p:spTgt spid="200">
+                                          <p:spTgt spid="201">
                                             <p:txEl>
                                               <p:pRg end="0" st="0"/>
                                             </p:txEl>
@@ -17844,7 +17872,7 @@
                                           </p:stCondLst>
                                         </p:cTn>
                                         <p:tgtEl>
-                                          <p:spTgt spid="200">
+                                          <p:spTgt spid="201">
                                             <p:txEl>
                                               <p:pRg end="1" st="1"/>
                                             </p:txEl>
@@ -17893,7 +17921,7 @@
                                           </p:stCondLst>
                                         </p:cTn>
                                         <p:tgtEl>
-                                          <p:spTgt spid="200">
+                                          <p:spTgt spid="201">
                                             <p:txEl>
                                               <p:pRg end="2" st="2"/>
                                             </p:txEl>
@@ -17942,7 +17970,7 @@
                                           </p:stCondLst>
                                         </p:cTn>
                                         <p:tgtEl>
-                                          <p:spTgt spid="200">
+                                          <p:spTgt spid="201">
                                             <p:txEl>
                                               <p:pRg end="3" st="3"/>
                                             </p:txEl>
@@ -17995,7 +18023,7 @@
   <p:cSld>
     <p:spTree>
       <p:nvGrpSpPr>
-        <p:cNvPr id="205" name="Shape 205"/>
+        <p:cNvPr id="206" name="Shape 206"/>
         <p:cNvGrpSpPr/>
         <p:nvPr/>
       </p:nvGrpSpPr>
@@ -18009,7 +18037,7 @@
       </p:grpSpPr>
       <p:sp>
         <p:nvSpPr>
-          <p:cNvPr id="206" name="Google Shape;206;p37"/>
+          <p:cNvPr id="207" name="Google Shape;207;p37"/>
           <p:cNvSpPr txBox="1"/>
           <p:nvPr>
             <p:ph type="title"/>
@@ -18049,7 +18077,7 @@
       </p:sp>
       <p:sp>
         <p:nvSpPr>
-          <p:cNvPr id="207" name="Google Shape;207;p37"/>
+          <p:cNvPr id="208" name="Google Shape;208;p37"/>
           <p:cNvSpPr txBox="1"/>
           <p:nvPr>
             <p:ph idx="1" type="body"/>
@@ -18099,7 +18127,7 @@
   <p:cSld>
     <p:spTree>
       <p:nvGrpSpPr>
-        <p:cNvPr id="211" name="Shape 211"/>
+        <p:cNvPr id="212" name="Shape 212"/>
         <p:cNvGrpSpPr/>
         <p:nvPr/>
       </p:nvGrpSpPr>
@@ -18113,7 +18141,7 @@
       </p:grpSpPr>
       <p:sp>
         <p:nvSpPr>
-          <p:cNvPr id="212" name="Google Shape;212;p38"/>
+          <p:cNvPr id="213" name="Google Shape;213;p38"/>
           <p:cNvSpPr txBox="1"/>
           <p:nvPr>
             <p:ph type="title"/>
@@ -18184,7 +18212,7 @@
       </p:sp>
       <p:sp>
         <p:nvSpPr>
-          <p:cNvPr id="213" name="Google Shape;213;p38"/>
+          <p:cNvPr id="214" name="Google Shape;214;p38"/>
           <p:cNvSpPr txBox="1"/>
           <p:nvPr>
             <p:ph idx="1" type="body"/>
@@ -18303,7 +18331,7 @@
       </p:sp>
       <p:pic>
         <p:nvPicPr>
-          <p:cNvPr id="214" name="Google Shape;214;p38"/>
+          <p:cNvPr id="215" name="Google Shape;215;p38"/>
           <p:cNvPicPr preferRelativeResize="0"/>
           <p:nvPr/>
         </p:nvPicPr>
@@ -18331,7 +18359,7 @@
       </p:pic>
       <p:pic>
         <p:nvPicPr>
-          <p:cNvPr id="215" name="Google Shape;215;p38"/>
+          <p:cNvPr id="216" name="Google Shape;216;p38"/>
           <p:cNvPicPr preferRelativeResize="0"/>
           <p:nvPr/>
         </p:nvPicPr>
@@ -18359,7 +18387,7 @@
       </p:pic>
       <p:pic>
         <p:nvPicPr>
-          <p:cNvPr id="216" name="Google Shape;216;p38"/>
+          <p:cNvPr id="217" name="Google Shape;217;p38"/>
           <p:cNvPicPr preferRelativeResize="0"/>
           <p:nvPr/>
         </p:nvPicPr>
@@ -18387,7 +18415,7 @@
       </p:pic>
       <p:pic>
         <p:nvPicPr>
-          <p:cNvPr id="217" name="Google Shape;217;p38"/>
+          <p:cNvPr id="218" name="Google Shape;218;p38"/>
           <p:cNvPicPr preferRelativeResize="0"/>
           <p:nvPr/>
         </p:nvPicPr>
@@ -18415,7 +18443,7 @@
       </p:pic>
       <p:sp>
         <p:nvSpPr>
-          <p:cNvPr id="218" name="Google Shape;218;p38"/>
+          <p:cNvPr id="219" name="Google Shape;219;p38"/>
           <p:cNvSpPr txBox="1"/>
           <p:nvPr/>
         </p:nvSpPr>
@@ -18494,7 +18522,7 @@
                                           </p:stCondLst>
                                         </p:cTn>
                                         <p:tgtEl>
-                                          <p:spTgt spid="213">
+                                          <p:spTgt spid="214">
                                             <p:txEl>
                                               <p:pRg end="0" st="0"/>
                                             </p:txEl>
@@ -18512,7 +18540,7 @@
                                       <p:cBhvr>
                                         <p:cTn dur="1000"/>
                                         <p:tgtEl>
-                                          <p:spTgt spid="213">
+                                          <p:spTgt spid="214">
                                             <p:txEl>
                                               <p:pRg end="0" st="0"/>
                                             </p:txEl>
@@ -18555,7 +18583,7 @@
                                           </p:stCondLst>
                                         </p:cTn>
                                         <p:tgtEl>
-                                          <p:spTgt spid="213">
+                                          <p:spTgt spid="214">
                                             <p:txEl>
                                               <p:pRg end="1" st="1"/>
                                             </p:txEl>
@@ -18573,7 +18601,7 @@
                                       <p:cBhvr>
                                         <p:cTn dur="1000"/>
                                         <p:tgtEl>
-                                          <p:spTgt spid="213">
+                                          <p:spTgt spid="214">
                                             <p:txEl>
                                               <p:pRg end="1" st="1"/>
                                             </p:txEl>
@@ -18616,7 +18644,7 @@
                                           </p:stCondLst>
                                         </p:cTn>
                                         <p:tgtEl>
-                                          <p:spTgt spid="213">
+                                          <p:spTgt spid="214">
                                             <p:txEl>
                                               <p:pRg end="2" st="2"/>
                                             </p:txEl>
@@ -18634,7 +18662,7 @@
                                       <p:cBhvr>
                                         <p:cTn dur="1000"/>
                                         <p:tgtEl>
-                                          <p:spTgt spid="213">
+                                          <p:spTgt spid="214">
                                             <p:txEl>
                                               <p:pRg end="2" st="2"/>
                                             </p:txEl>
@@ -18677,7 +18705,7 @@
                                           </p:stCondLst>
                                         </p:cTn>
                                         <p:tgtEl>
-                                          <p:spTgt spid="213">
+                                          <p:spTgt spid="214">
                                             <p:txEl>
                                               <p:pRg end="3" st="3"/>
                                             </p:txEl>
@@ -18695,7 +18723,7 @@
                                       <p:cBhvr>
                                         <p:cTn dur="1000"/>
                                         <p:tgtEl>
-                                          <p:spTgt spid="213">
+                                          <p:spTgt spid="214">
                                             <p:txEl>
                                               <p:pRg end="3" st="3"/>
                                             </p:txEl>
@@ -18738,7 +18766,7 @@
                                           </p:stCondLst>
                                         </p:cTn>
                                         <p:tgtEl>
-                                          <p:spTgt spid="213">
+                                          <p:spTgt spid="214">
                                             <p:txEl>
                                               <p:pRg end="4" st="4"/>
                                             </p:txEl>
@@ -18756,7 +18784,7 @@
                                       <p:cBhvr>
                                         <p:cTn dur="1000"/>
                                         <p:tgtEl>
-                                          <p:spTgt spid="213">
+                                          <p:spTgt spid="214">
                                             <p:txEl>
                                               <p:pRg end="4" st="4"/>
                                             </p:txEl>
@@ -18799,7 +18827,7 @@
                                           </p:stCondLst>
                                         </p:cTn>
                                         <p:tgtEl>
-                                          <p:spTgt spid="213">
+                                          <p:spTgt spid="214">
                                             <p:txEl>
                                               <p:pRg end="5" st="5"/>
                                             </p:txEl>
@@ -18817,7 +18845,7 @@
                                       <p:cBhvr>
                                         <p:cTn dur="1000"/>
                                         <p:tgtEl>
-                                          <p:spTgt spid="213">
+                                          <p:spTgt spid="214">
                                             <p:txEl>
                                               <p:pRg end="5" st="5"/>
                                             </p:txEl>
@@ -18864,7 +18892,7 @@
   <p:cSld>
     <p:spTree>
       <p:nvGrpSpPr>
-        <p:cNvPr id="222" name="Shape 222"/>
+        <p:cNvPr id="223" name="Shape 223"/>
         <p:cNvGrpSpPr/>
         <p:nvPr/>
       </p:nvGrpSpPr>
@@ -18878,7 +18906,7 @@
       </p:grpSpPr>
       <p:sp>
         <p:nvSpPr>
-          <p:cNvPr id="223" name="Google Shape;223;p39"/>
+          <p:cNvPr id="224" name="Google Shape;224;p39"/>
           <p:cNvSpPr txBox="1"/>
           <p:nvPr>
             <p:ph type="title"/>
@@ -18918,7 +18946,7 @@
       </p:sp>
       <p:sp>
         <p:nvSpPr>
-          <p:cNvPr id="224" name="Google Shape;224;p39"/>
+          <p:cNvPr id="225" name="Google Shape;225;p39"/>
           <p:cNvSpPr txBox="1"/>
           <p:nvPr>
             <p:ph idx="1" type="body"/>
@@ -18958,7 +18986,7 @@
       </p:sp>
       <p:pic>
         <p:nvPicPr>
-          <p:cNvPr id="225" name="Google Shape;225;p39"/>
+          <p:cNvPr id="226" name="Google Shape;226;p39"/>
           <p:cNvPicPr preferRelativeResize="0"/>
           <p:nvPr/>
         </p:nvPicPr>
@@ -18997,7 +19025,7 @@
   <p:cSld>
     <p:spTree>
       <p:nvGrpSpPr>
-        <p:cNvPr id="229" name="Shape 229"/>
+        <p:cNvPr id="230" name="Shape 230"/>
         <p:cNvGrpSpPr/>
         <p:nvPr/>
       </p:nvGrpSpPr>
@@ -19011,7 +19039,7 @@
       </p:grpSpPr>
       <p:sp>
         <p:nvSpPr>
-          <p:cNvPr id="230" name="Google Shape;230;p40"/>
+          <p:cNvPr id="231" name="Google Shape;231;p40"/>
           <p:cNvSpPr txBox="1"/>
           <p:nvPr>
             <p:ph type="title"/>
@@ -19051,7 +19079,7 @@
       </p:sp>
       <p:sp>
         <p:nvSpPr>
-          <p:cNvPr id="231" name="Google Shape;231;p40"/>
+          <p:cNvPr id="232" name="Google Shape;232;p40"/>
           <p:cNvSpPr txBox="1"/>
           <p:nvPr>
             <p:ph idx="1" type="body"/>
@@ -19196,7 +19224,7 @@
       </p:sp>
       <p:pic>
         <p:nvPicPr>
-          <p:cNvPr id="232" name="Google Shape;232;p40"/>
+          <p:cNvPr id="233" name="Google Shape;233;p40"/>
           <p:cNvPicPr preferRelativeResize="0"/>
           <p:nvPr/>
         </p:nvPicPr>
@@ -19224,7 +19252,7 @@
       </p:pic>
       <p:pic>
         <p:nvPicPr>
-          <p:cNvPr id="233" name="Google Shape;233;p40"/>
+          <p:cNvPr id="234" name="Google Shape;234;p40"/>
           <p:cNvPicPr preferRelativeResize="0"/>
           <p:nvPr/>
         </p:nvPicPr>
@@ -19263,7 +19291,7 @@
   <p:cSld>
     <p:spTree>
       <p:nvGrpSpPr>
-        <p:cNvPr id="237" name="Shape 237"/>
+        <p:cNvPr id="238" name="Shape 238"/>
         <p:cNvGrpSpPr/>
         <p:nvPr/>
       </p:nvGrpSpPr>
@@ -19277,7 +19305,7 @@
       </p:grpSpPr>
       <p:sp>
         <p:nvSpPr>
-          <p:cNvPr id="238" name="Google Shape;238;p41"/>
+          <p:cNvPr id="239" name="Google Shape;239;p41"/>
           <p:cNvSpPr txBox="1"/>
           <p:nvPr>
             <p:ph idx="1" type="body"/>
@@ -19316,7 +19344,7 @@
       </p:sp>
       <p:pic>
         <p:nvPicPr>
-          <p:cNvPr id="239" name="Google Shape;239;p41"/>
+          <p:cNvPr id="240" name="Google Shape;240;p41"/>
           <p:cNvPicPr preferRelativeResize="0"/>
           <p:nvPr/>
         </p:nvPicPr>
@@ -19807,7 +19835,7 @@
   <p:cSld>
     <p:spTree>
       <p:nvGrpSpPr>
-        <p:cNvPr id="243" name="Shape 243"/>
+        <p:cNvPr id="244" name="Shape 244"/>
         <p:cNvGrpSpPr/>
         <p:nvPr/>
       </p:nvGrpSpPr>
@@ -19821,7 +19849,7 @@
       </p:grpSpPr>
       <p:sp>
         <p:nvSpPr>
-          <p:cNvPr id="244" name="Google Shape;244;p42"/>
+          <p:cNvPr id="245" name="Google Shape;245;p42"/>
           <p:cNvSpPr txBox="1"/>
           <p:nvPr>
             <p:ph type="title"/>
@@ -19861,7 +19889,7 @@
       </p:sp>
       <p:sp>
         <p:nvSpPr>
-          <p:cNvPr id="245" name="Google Shape;245;p42"/>
+          <p:cNvPr id="246" name="Google Shape;246;p42"/>
           <p:cNvSpPr txBox="1"/>
           <p:nvPr>
             <p:ph idx="1" type="body"/>
@@ -19979,7 +20007,7 @@
       </p:sp>
       <p:pic>
         <p:nvPicPr>
-          <p:cNvPr id="246" name="Google Shape;246;p42"/>
+          <p:cNvPr id="247" name="Google Shape;247;p42"/>
           <p:cNvPicPr preferRelativeResize="0"/>
           <p:nvPr/>
         </p:nvPicPr>
@@ -20007,7 +20035,7 @@
       </p:pic>
       <p:pic>
         <p:nvPicPr>
-          <p:cNvPr id="247" name="Google Shape;247;p42"/>
+          <p:cNvPr id="248" name="Google Shape;248;p42"/>
           <p:cNvPicPr preferRelativeResize="0"/>
           <p:nvPr/>
         </p:nvPicPr>
@@ -20046,7 +20074,7 @@
   <p:cSld>
     <p:spTree>
       <p:nvGrpSpPr>
-        <p:cNvPr id="251" name="Shape 251"/>
+        <p:cNvPr id="252" name="Shape 252"/>
         <p:cNvGrpSpPr/>
         <p:nvPr/>
       </p:nvGrpSpPr>
@@ -20060,7 +20088,7 @@
       </p:grpSpPr>
       <p:sp>
         <p:nvSpPr>
-          <p:cNvPr id="252" name="Google Shape;252;p43"/>
+          <p:cNvPr id="253" name="Google Shape;253;p43"/>
           <p:cNvSpPr txBox="1"/>
           <p:nvPr>
             <p:ph type="title"/>
@@ -20100,7 +20128,7 @@
       </p:sp>
       <p:sp>
         <p:nvSpPr>
-          <p:cNvPr id="253" name="Google Shape;253;p43"/>
+          <p:cNvPr id="254" name="Google Shape;254;p43"/>
           <p:cNvSpPr txBox="1"/>
           <p:nvPr>
             <p:ph idx="1" type="body"/>
@@ -20241,7 +20269,7 @@
       </p:sp>
       <p:pic>
         <p:nvPicPr>
-          <p:cNvPr id="254" name="Google Shape;254;p43"/>
+          <p:cNvPr id="255" name="Google Shape;255;p43"/>
           <p:cNvPicPr preferRelativeResize="0"/>
           <p:nvPr/>
         </p:nvPicPr>
@@ -20269,7 +20297,7 @@
       </p:pic>
       <p:pic>
         <p:nvPicPr>
-          <p:cNvPr id="255" name="Google Shape;255;p43"/>
+          <p:cNvPr id="256" name="Google Shape;256;p43"/>
           <p:cNvPicPr preferRelativeResize="0"/>
           <p:nvPr/>
         </p:nvPicPr>
@@ -20334,7 +20362,7 @@
                                           </p:stCondLst>
                                         </p:cTn>
                                         <p:tgtEl>
-                                          <p:spTgt spid="253">
+                                          <p:spTgt spid="254">
                                             <p:txEl>
                                               <p:pRg end="0" st="0"/>
                                             </p:txEl>
@@ -20352,7 +20380,7 @@
                                       <p:cBhvr>
                                         <p:cTn dur="1000"/>
                                         <p:tgtEl>
-                                          <p:spTgt spid="253">
+                                          <p:spTgt spid="254">
                                             <p:txEl>
                                               <p:pRg end="0" st="0"/>
                                             </p:txEl>
@@ -20395,7 +20423,7 @@
                                           </p:stCondLst>
                                         </p:cTn>
                                         <p:tgtEl>
-                                          <p:spTgt spid="253">
+                                          <p:spTgt spid="254">
                                             <p:txEl>
                                               <p:pRg end="1" st="1"/>
                                             </p:txEl>
@@ -20413,7 +20441,7 @@
                                       <p:cBhvr>
                                         <p:cTn dur="1000"/>
                                         <p:tgtEl>
-                                          <p:spTgt spid="253">
+                                          <p:spTgt spid="254">
                                             <p:txEl>
                                               <p:pRg end="1" st="1"/>
                                             </p:txEl>
@@ -20456,7 +20484,7 @@
                                           </p:stCondLst>
                                         </p:cTn>
                                         <p:tgtEl>
-                                          <p:spTgt spid="253">
+                                          <p:spTgt spid="254">
                                             <p:txEl>
                                               <p:pRg end="2" st="2"/>
                                             </p:txEl>
@@ -20474,7 +20502,7 @@
                                       <p:cBhvr>
                                         <p:cTn dur="1000"/>
                                         <p:tgtEl>
-                                          <p:spTgt spid="253">
+                                          <p:spTgt spid="254">
                                             <p:txEl>
                                               <p:pRg end="2" st="2"/>
                                             </p:txEl>
@@ -20517,7 +20545,7 @@
                                           </p:stCondLst>
                                         </p:cTn>
                                         <p:tgtEl>
-                                          <p:spTgt spid="253">
+                                          <p:spTgt spid="254">
                                             <p:txEl>
                                               <p:pRg end="3" st="3"/>
                                             </p:txEl>
@@ -20535,7 +20563,7 @@
                                       <p:cBhvr>
                                         <p:cTn dur="1000"/>
                                         <p:tgtEl>
-                                          <p:spTgt spid="253">
+                                          <p:spTgt spid="254">
                                             <p:txEl>
                                               <p:pRg end="3" st="3"/>
                                             </p:txEl>
@@ -20578,7 +20606,7 @@
                                           </p:stCondLst>
                                         </p:cTn>
                                         <p:tgtEl>
-                                          <p:spTgt spid="253">
+                                          <p:spTgt spid="254">
                                             <p:txEl>
                                               <p:pRg end="4" st="4"/>
                                             </p:txEl>
@@ -20596,7 +20624,7 @@
                                       <p:cBhvr>
                                         <p:cTn dur="1000"/>
                                         <p:tgtEl>
-                                          <p:spTgt spid="253">
+                                          <p:spTgt spid="254">
                                             <p:txEl>
                                               <p:pRg end="4" st="4"/>
                                             </p:txEl>
@@ -20639,7 +20667,7 @@
                                           </p:stCondLst>
                                         </p:cTn>
                                         <p:tgtEl>
-                                          <p:spTgt spid="253">
+                                          <p:spTgt spid="254">
                                             <p:txEl>
                                               <p:pRg end="5" st="5"/>
                                             </p:txEl>
@@ -20657,7 +20685,7 @@
                                       <p:cBhvr>
                                         <p:cTn dur="1000"/>
                                         <p:tgtEl>
-                                          <p:spTgt spid="253">
+                                          <p:spTgt spid="254">
                                             <p:txEl>
                                               <p:pRg end="5" st="5"/>
                                             </p:txEl>
@@ -20704,7 +20732,7 @@
   <p:cSld>
     <p:spTree>
       <p:nvGrpSpPr>
-        <p:cNvPr id="259" name="Shape 259"/>
+        <p:cNvPr id="260" name="Shape 260"/>
         <p:cNvGrpSpPr/>
         <p:nvPr/>
       </p:nvGrpSpPr>
@@ -20718,7 +20746,7 @@
       </p:grpSpPr>
       <p:sp>
         <p:nvSpPr>
-          <p:cNvPr id="260" name="Google Shape;260;p44"/>
+          <p:cNvPr id="261" name="Google Shape;261;p44"/>
           <p:cNvSpPr txBox="1"/>
           <p:nvPr>
             <p:ph type="title"/>
@@ -20758,7 +20786,7 @@
       </p:sp>
       <p:sp>
         <p:nvSpPr>
-          <p:cNvPr id="261" name="Google Shape;261;p44"/>
+          <p:cNvPr id="262" name="Google Shape;262;p44"/>
           <p:cNvSpPr txBox="1"/>
           <p:nvPr>
             <p:ph idx="1" type="body"/>
@@ -20903,7 +20931,7 @@
       </p:sp>
       <p:pic>
         <p:nvPicPr>
-          <p:cNvPr id="262" name="Google Shape;262;p44"/>
+          <p:cNvPr id="263" name="Google Shape;263;p44"/>
           <p:cNvPicPr preferRelativeResize="0"/>
           <p:nvPr/>
         </p:nvPicPr>
@@ -20930,7 +20958,7 @@
       </p:pic>
       <p:pic>
         <p:nvPicPr>
-          <p:cNvPr id="263" name="Google Shape;263;p44"/>
+          <p:cNvPr id="264" name="Google Shape;264;p44"/>
           <p:cNvPicPr preferRelativeResize="0"/>
           <p:nvPr/>
         </p:nvPicPr>
@@ -20995,7 +21023,7 @@
                                           </p:stCondLst>
                                         </p:cTn>
                                         <p:tgtEl>
-                                          <p:spTgt spid="261">
+                                          <p:spTgt spid="262">
                                             <p:txEl>
                                               <p:pRg end="0" st="0"/>
                                             </p:txEl>
@@ -21013,7 +21041,7 @@
                                       <p:cBhvr>
                                         <p:cTn dur="1000"/>
                                         <p:tgtEl>
-                                          <p:spTgt spid="261">
+                                          <p:spTgt spid="262">
                                             <p:txEl>
                                               <p:pRg end="0" st="0"/>
                                             </p:txEl>
@@ -21056,7 +21084,7 @@
                                           </p:stCondLst>
                                         </p:cTn>
                                         <p:tgtEl>
-                                          <p:spTgt spid="261">
+                                          <p:spTgt spid="262">
                                             <p:txEl>
                                               <p:pRg end="1" st="1"/>
                                             </p:txEl>
@@ -21074,7 +21102,7 @@
                                       <p:cBhvr>
                                         <p:cTn dur="1000"/>
                                         <p:tgtEl>
-                                          <p:spTgt spid="261">
+                                          <p:spTgt spid="262">
                                             <p:txEl>
                                               <p:pRg end="1" st="1"/>
                                             </p:txEl>
@@ -21117,7 +21145,7 @@
                                           </p:stCondLst>
                                         </p:cTn>
                                         <p:tgtEl>
-                                          <p:spTgt spid="261">
+                                          <p:spTgt spid="262">
                                             <p:txEl>
                                               <p:pRg end="2" st="2"/>
                                             </p:txEl>
@@ -21135,7 +21163,7 @@
                                       <p:cBhvr>
                                         <p:cTn dur="1000"/>
                                         <p:tgtEl>
-                                          <p:spTgt spid="261">
+                                          <p:spTgt spid="262">
                                             <p:txEl>
                                               <p:pRg end="2" st="2"/>
                                             </p:txEl>
@@ -21178,7 +21206,7 @@
                                           </p:stCondLst>
                                         </p:cTn>
                                         <p:tgtEl>
-                                          <p:spTgt spid="261">
+                                          <p:spTgt spid="262">
                                             <p:txEl>
                                               <p:pRg end="3" st="3"/>
                                             </p:txEl>
@@ -21196,7 +21224,7 @@
                                       <p:cBhvr>
                                         <p:cTn dur="1000"/>
                                         <p:tgtEl>
-                                          <p:spTgt spid="261">
+                                          <p:spTgt spid="262">
                                             <p:txEl>
                                               <p:pRg end="3" st="3"/>
                                             </p:txEl>
@@ -21239,7 +21267,7 @@
                                           </p:stCondLst>
                                         </p:cTn>
                                         <p:tgtEl>
-                                          <p:spTgt spid="261">
+                                          <p:spTgt spid="262">
                                             <p:txEl>
                                               <p:pRg end="4" st="4"/>
                                             </p:txEl>
@@ -21257,7 +21285,7 @@
                                       <p:cBhvr>
                                         <p:cTn dur="1000"/>
                                         <p:tgtEl>
-                                          <p:spTgt spid="261">
+                                          <p:spTgt spid="262">
                                             <p:txEl>
                                               <p:pRg end="4" st="4"/>
                                             </p:txEl>
@@ -21300,7 +21328,7 @@
                                           </p:stCondLst>
                                         </p:cTn>
                                         <p:tgtEl>
-                                          <p:spTgt spid="261">
+                                          <p:spTgt spid="262">
                                             <p:txEl>
                                               <p:pRg end="5" st="5"/>
                                             </p:txEl>
@@ -21318,7 +21346,7 @@
                                       <p:cBhvr>
                                         <p:cTn dur="1000"/>
                                         <p:tgtEl>
-                                          <p:spTgt spid="261">
+                                          <p:spTgt spid="262">
                                             <p:txEl>
                                               <p:pRg end="5" st="5"/>
                                             </p:txEl>
@@ -21361,7 +21389,7 @@
                                           </p:stCondLst>
                                         </p:cTn>
                                         <p:tgtEl>
-                                          <p:spTgt spid="261">
+                                          <p:spTgt spid="262">
                                             <p:txEl>
                                               <p:pRg end="6" st="6"/>
                                             </p:txEl>
@@ -21379,7 +21407,7 @@
                                       <p:cBhvr>
                                         <p:cTn dur="1000"/>
                                         <p:tgtEl>
-                                          <p:spTgt spid="261">
+                                          <p:spTgt spid="262">
                                             <p:txEl>
                                               <p:pRg end="6" st="6"/>
                                             </p:txEl>
@@ -21426,7 +21454,7 @@
   <p:cSld>
     <p:spTree>
       <p:nvGrpSpPr>
-        <p:cNvPr id="267" name="Shape 267"/>
+        <p:cNvPr id="268" name="Shape 268"/>
         <p:cNvGrpSpPr/>
         <p:nvPr/>
       </p:nvGrpSpPr>
@@ -21440,7 +21468,7 @@
       </p:grpSpPr>
       <p:sp>
         <p:nvSpPr>
-          <p:cNvPr id="268" name="Google Shape;268;p45"/>
+          <p:cNvPr id="269" name="Google Shape;269;p45"/>
           <p:cNvSpPr txBox="1"/>
           <p:nvPr>
             <p:ph type="title"/>
@@ -21480,7 +21508,7 @@
       </p:sp>
       <p:sp>
         <p:nvSpPr>
-          <p:cNvPr id="269" name="Google Shape;269;p45"/>
+          <p:cNvPr id="270" name="Google Shape;270;p45"/>
           <p:cNvSpPr txBox="1"/>
           <p:nvPr>
             <p:ph idx="1" type="body"/>
@@ -21603,7 +21631,7 @@
       </p:sp>
       <p:pic>
         <p:nvPicPr>
-          <p:cNvPr id="270" name="Google Shape;270;p45"/>
+          <p:cNvPr id="271" name="Google Shape;271;p45"/>
           <p:cNvPicPr preferRelativeResize="0"/>
           <p:nvPr/>
         </p:nvPicPr>
@@ -21631,7 +21659,7 @@
       </p:pic>
       <p:pic>
         <p:nvPicPr>
-          <p:cNvPr id="271" name="Google Shape;271;p45"/>
+          <p:cNvPr id="272" name="Google Shape;272;p45"/>
           <p:cNvPicPr preferRelativeResize="0"/>
           <p:nvPr/>
         </p:nvPicPr>
@@ -21670,7 +21698,7 @@
   <p:cSld>
     <p:spTree>
       <p:nvGrpSpPr>
-        <p:cNvPr id="275" name="Shape 275"/>
+        <p:cNvPr id="276" name="Shape 276"/>
         <p:cNvGrpSpPr/>
         <p:nvPr/>
       </p:nvGrpSpPr>
@@ -21684,7 +21712,7 @@
       </p:grpSpPr>
       <p:sp>
         <p:nvSpPr>
-          <p:cNvPr id="276" name="Google Shape;276;p46"/>
+          <p:cNvPr id="277" name="Google Shape;277;p46"/>
           <p:cNvSpPr txBox="1"/>
           <p:nvPr>
             <p:ph type="title"/>
@@ -21724,7 +21752,7 @@
       </p:sp>
       <p:pic>
         <p:nvPicPr>
-          <p:cNvPr id="277" name="Google Shape;277;p46"/>
+          <p:cNvPr id="278" name="Google Shape;278;p46"/>
           <p:cNvPicPr preferRelativeResize="0"/>
           <p:nvPr/>
         </p:nvPicPr>
@@ -21752,7 +21780,7 @@
       </p:pic>
       <p:sp>
         <p:nvSpPr>
-          <p:cNvPr id="278" name="Google Shape;278;p46"/>
+          <p:cNvPr id="279" name="Google Shape;279;p46"/>
           <p:cNvSpPr txBox="1"/>
           <p:nvPr/>
         </p:nvSpPr>
@@ -21794,7 +21822,7 @@
       </p:sp>
       <p:cxnSp>
         <p:nvCxnSpPr>
-          <p:cNvPr id="279" name="Google Shape;279;p46"/>
+          <p:cNvPr id="280" name="Google Shape;280;p46"/>
           <p:cNvCxnSpPr/>
           <p:nvPr/>
         </p:nvCxnSpPr>
@@ -21831,7 +21859,7 @@
   <p:cSld>
     <p:spTree>
       <p:nvGrpSpPr>
-        <p:cNvPr id="283" name="Shape 283"/>
+        <p:cNvPr id="284" name="Shape 284"/>
         <p:cNvGrpSpPr/>
         <p:nvPr/>
       </p:nvGrpSpPr>
@@ -21845,7 +21873,7 @@
       </p:grpSpPr>
       <p:sp>
         <p:nvSpPr>
-          <p:cNvPr id="284" name="Google Shape;284;p47"/>
+          <p:cNvPr id="285" name="Google Shape;285;p47"/>
           <p:cNvSpPr txBox="1"/>
           <p:nvPr>
             <p:ph type="title"/>
@@ -21885,7 +21913,7 @@
       </p:sp>
       <p:sp>
         <p:nvSpPr>
-          <p:cNvPr id="285" name="Google Shape;285;p47"/>
+          <p:cNvPr id="286" name="Google Shape;286;p47"/>
           <p:cNvSpPr txBox="1"/>
           <p:nvPr>
             <p:ph idx="1" type="body"/>
@@ -22009,7 +22037,7 @@
                                           </p:stCondLst>
                                         </p:cTn>
                                         <p:tgtEl>
-                                          <p:spTgt spid="285">
+                                          <p:spTgt spid="286">
                                             <p:txEl>
                                               <p:pRg end="0" st="0"/>
                                             </p:txEl>
@@ -22027,7 +22055,7 @@
                                       <p:cBhvr>
                                         <p:cTn dur="1000"/>
                                         <p:tgtEl>
-                                          <p:spTgt spid="285">
+                                          <p:spTgt spid="286">
                                             <p:txEl>
                                               <p:pRg end="0" st="0"/>
                                             </p:txEl>
@@ -22070,7 +22098,7 @@
                                           </p:stCondLst>
                                         </p:cTn>
                                         <p:tgtEl>
-                                          <p:spTgt spid="285">
+                                          <p:spTgt spid="286">
                                             <p:txEl>
                                               <p:pRg end="1" st="1"/>
                                             </p:txEl>
@@ -22088,7 +22116,7 @@
                                       <p:cBhvr>
                                         <p:cTn dur="1000"/>
                                         <p:tgtEl>
-                                          <p:spTgt spid="285">
+                                          <p:spTgt spid="286">
                                             <p:txEl>
                                               <p:pRg end="1" st="1"/>
                                             </p:txEl>
@@ -22131,7 +22159,7 @@
                                           </p:stCondLst>
                                         </p:cTn>
                                         <p:tgtEl>
-                                          <p:spTgt spid="285">
+                                          <p:spTgt spid="286">
                                             <p:txEl>
                                               <p:pRg end="2" st="2"/>
                                             </p:txEl>
@@ -22149,7 +22177,7 @@
                                       <p:cBhvr>
                                         <p:cTn dur="1000"/>
                                         <p:tgtEl>
-                                          <p:spTgt spid="285">
+                                          <p:spTgt spid="286">
                                             <p:txEl>
                                               <p:pRg end="2" st="2"/>
                                             </p:txEl>
@@ -22192,7 +22220,7 @@
                                           </p:stCondLst>
                                         </p:cTn>
                                         <p:tgtEl>
-                                          <p:spTgt spid="285">
+                                          <p:spTgt spid="286">
                                             <p:txEl>
                                               <p:pRg end="3" st="3"/>
                                             </p:txEl>
@@ -22210,7 +22238,7 @@
                                       <p:cBhvr>
                                         <p:cTn dur="1000"/>
                                         <p:tgtEl>
-                                          <p:spTgt spid="285">
+                                          <p:spTgt spid="286">
                                             <p:txEl>
                                               <p:pRg end="3" st="3"/>
                                             </p:txEl>
@@ -22257,7 +22285,7 @@
   <p:cSld>
     <p:spTree>
       <p:nvGrpSpPr>
-        <p:cNvPr id="289" name="Shape 289"/>
+        <p:cNvPr id="290" name="Shape 290"/>
         <p:cNvGrpSpPr/>
         <p:nvPr/>
       </p:nvGrpSpPr>
@@ -22271,7 +22299,7 @@
       </p:grpSpPr>
       <p:sp>
         <p:nvSpPr>
-          <p:cNvPr id="290" name="Google Shape;290;p48"/>
+          <p:cNvPr id="291" name="Google Shape;291;p48"/>
           <p:cNvSpPr txBox="1"/>
           <p:nvPr>
             <p:ph type="title"/>
@@ -22311,7 +22339,7 @@
       </p:sp>
       <p:sp>
         <p:nvSpPr>
-          <p:cNvPr id="291" name="Google Shape;291;p48"/>
+          <p:cNvPr id="292" name="Google Shape;292;p48"/>
           <p:cNvSpPr txBox="1"/>
           <p:nvPr>
             <p:ph idx="1" type="body"/>
@@ -22441,7 +22469,7 @@
   <p:cSld>
     <p:spTree>
       <p:nvGrpSpPr>
-        <p:cNvPr id="295" name="Shape 295"/>
+        <p:cNvPr id="296" name="Shape 296"/>
         <p:cNvGrpSpPr/>
         <p:nvPr/>
       </p:nvGrpSpPr>
@@ -22455,7 +22483,7 @@
       </p:grpSpPr>
       <p:sp>
         <p:nvSpPr>
-          <p:cNvPr id="296" name="Google Shape;296;p49"/>
+          <p:cNvPr id="297" name="Google Shape;297;p49"/>
           <p:cNvSpPr txBox="1"/>
           <p:nvPr>
             <p:ph type="title"/>
@@ -22495,7 +22523,7 @@
       </p:sp>
       <p:sp>
         <p:nvSpPr>
-          <p:cNvPr id="297" name="Google Shape;297;p49"/>
+          <p:cNvPr id="298" name="Google Shape;298;p49"/>
           <p:cNvSpPr txBox="1"/>
           <p:nvPr>
             <p:ph idx="1" type="body"/>
@@ -22583,7 +22611,7 @@
       </p:sp>
       <p:pic>
         <p:nvPicPr>
-          <p:cNvPr id="298" name="Google Shape;298;p49"/>
+          <p:cNvPr id="299" name="Google Shape;299;p49"/>
           <p:cNvPicPr preferRelativeResize="0"/>
           <p:nvPr/>
         </p:nvPicPr>
@@ -22648,7 +22676,7 @@
                                           </p:stCondLst>
                                         </p:cTn>
                                         <p:tgtEl>
-                                          <p:spTgt spid="297">
+                                          <p:spTgt spid="298">
                                             <p:txEl>
                                               <p:pRg end="0" st="0"/>
                                             </p:txEl>
@@ -22666,7 +22694,7 @@
                                       <p:cBhvr>
                                         <p:cTn dur="1000"/>
                                         <p:tgtEl>
-                                          <p:spTgt spid="297">
+                                          <p:spTgt spid="298">
                                             <p:txEl>
                                               <p:pRg end="0" st="0"/>
                                             </p:txEl>
@@ -22709,7 +22737,7 @@
                                           </p:stCondLst>
                                         </p:cTn>
                                         <p:tgtEl>
-                                          <p:spTgt spid="297">
+                                          <p:spTgt spid="298">
                                             <p:txEl>
                                               <p:pRg end="1" st="1"/>
                                             </p:txEl>
@@ -22727,7 +22755,7 @@
                                       <p:cBhvr>
                                         <p:cTn dur="1000"/>
                                         <p:tgtEl>
-                                          <p:spTgt spid="297">
+                                          <p:spTgt spid="298">
                                             <p:txEl>
                                               <p:pRg end="1" st="1"/>
                                             </p:txEl>
@@ -22770,7 +22798,7 @@
                                           </p:stCondLst>
                                         </p:cTn>
                                         <p:tgtEl>
-                                          <p:spTgt spid="297">
+                                          <p:spTgt spid="298">
                                             <p:txEl>
                                               <p:pRg end="2" st="2"/>
                                             </p:txEl>
@@ -22788,7 +22816,7 @@
                                       <p:cBhvr>
                                         <p:cTn dur="1000"/>
                                         <p:tgtEl>
-                                          <p:spTgt spid="297">
+                                          <p:spTgt spid="298">
                                             <p:txEl>
                                               <p:pRg end="2" st="2"/>
                                             </p:txEl>
@@ -22831,7 +22859,7 @@
                                           </p:stCondLst>
                                         </p:cTn>
                                         <p:tgtEl>
-                                          <p:spTgt spid="297">
+                                          <p:spTgt spid="298">
                                             <p:txEl>
                                               <p:pRg end="3" st="3"/>
                                             </p:txEl>
@@ -22849,7 +22877,7 @@
                                       <p:cBhvr>
                                         <p:cTn dur="1000"/>
                                         <p:tgtEl>
-                                          <p:spTgt spid="297">
+                                          <p:spTgt spid="298">
                                             <p:txEl>
                                               <p:pRg end="3" st="3"/>
                                             </p:txEl>
@@ -22896,7 +22924,7 @@
   <p:cSld>
     <p:spTree>
       <p:nvGrpSpPr>
-        <p:cNvPr id="302" name="Shape 302"/>
+        <p:cNvPr id="303" name="Shape 303"/>
         <p:cNvGrpSpPr/>
         <p:nvPr/>
       </p:nvGrpSpPr>
@@ -22910,7 +22938,7 @@
       </p:grpSpPr>
       <p:pic>
         <p:nvPicPr>
-          <p:cNvPr id="303" name="Google Shape;303;p50"/>
+          <p:cNvPr id="304" name="Google Shape;304;p50"/>
           <p:cNvPicPr preferRelativeResize="0"/>
           <p:nvPr/>
         </p:nvPicPr>
@@ -22949,7 +22977,7 @@
   <p:cSld>
     <p:spTree>
       <p:nvGrpSpPr>
-        <p:cNvPr id="307" name="Shape 307"/>
+        <p:cNvPr id="308" name="Shape 308"/>
         <p:cNvGrpSpPr/>
         <p:nvPr/>
       </p:nvGrpSpPr>
@@ -22963,7 +22991,7 @@
       </p:grpSpPr>
       <p:pic>
         <p:nvPicPr>
-          <p:cNvPr id="308" name="Google Shape;308;p51"/>
+          <p:cNvPr id="309" name="Google Shape;309;p51"/>
           <p:cNvPicPr preferRelativeResize="0"/>
           <p:nvPr/>
         </p:nvPicPr>
@@ -23599,7 +23627,7 @@
   <p:cSld>
     <p:spTree>
       <p:nvGrpSpPr>
-        <p:cNvPr id="312" name="Shape 312"/>
+        <p:cNvPr id="313" name="Shape 313"/>
         <p:cNvGrpSpPr/>
         <p:nvPr/>
       </p:nvGrpSpPr>
@@ -23613,7 +23641,7 @@
       </p:grpSpPr>
       <p:pic>
         <p:nvPicPr>
-          <p:cNvPr id="313" name="Google Shape;313;p52"/>
+          <p:cNvPr id="314" name="Google Shape;314;p52"/>
           <p:cNvPicPr preferRelativeResize="0"/>
           <p:nvPr/>
         </p:nvPicPr>
@@ -23652,7 +23680,7 @@
   <p:cSld>
     <p:spTree>
       <p:nvGrpSpPr>
-        <p:cNvPr id="317" name="Shape 317"/>
+        <p:cNvPr id="318" name="Shape 318"/>
         <p:cNvGrpSpPr/>
         <p:nvPr/>
       </p:nvGrpSpPr>
@@ -23666,7 +23694,7 @@
       </p:grpSpPr>
       <p:sp>
         <p:nvSpPr>
-          <p:cNvPr id="318" name="Google Shape;318;p53"/>
+          <p:cNvPr id="319" name="Google Shape;319;p53"/>
           <p:cNvSpPr txBox="1"/>
           <p:nvPr>
             <p:ph type="title"/>
@@ -23706,7 +23734,7 @@
       </p:sp>
       <p:sp>
         <p:nvSpPr>
-          <p:cNvPr id="319" name="Google Shape;319;p53"/>
+          <p:cNvPr id="320" name="Google Shape;320;p53"/>
           <p:cNvSpPr txBox="1"/>
           <p:nvPr>
             <p:ph idx="1" type="body"/>
@@ -23843,7 +23871,7 @@
   <p:cSld>
     <p:spTree>
       <p:nvGrpSpPr>
-        <p:cNvPr id="323" name="Shape 323"/>
+        <p:cNvPr id="324" name="Shape 324"/>
         <p:cNvGrpSpPr/>
         <p:nvPr/>
       </p:nvGrpSpPr>
@@ -23857,7 +23885,7 @@
       </p:grpSpPr>
       <p:sp>
         <p:nvSpPr>
-          <p:cNvPr id="324" name="Google Shape;324;p54"/>
+          <p:cNvPr id="325" name="Google Shape;325;p54"/>
           <p:cNvSpPr txBox="1"/>
           <p:nvPr>
             <p:ph type="title"/>
@@ -23896,7 +23924,7 @@
       </p:sp>
       <p:sp>
         <p:nvSpPr>
-          <p:cNvPr id="325" name="Google Shape;325;p54"/>
+          <p:cNvPr id="326" name="Google Shape;326;p54"/>
           <p:cNvSpPr txBox="1"/>
           <p:nvPr>
             <p:ph idx="1" type="body"/>
@@ -23946,7 +23974,7 @@
   <p:cSld>
     <p:spTree>
       <p:nvGrpSpPr>
-        <p:cNvPr id="329" name="Shape 329"/>
+        <p:cNvPr id="330" name="Shape 330"/>
         <p:cNvGrpSpPr/>
         <p:nvPr/>
       </p:nvGrpSpPr>
@@ -23960,7 +23988,7 @@
       </p:grpSpPr>
       <p:sp>
         <p:nvSpPr>
-          <p:cNvPr id="330" name="Google Shape;330;p55"/>
+          <p:cNvPr id="331" name="Google Shape;331;p55"/>
           <p:cNvSpPr txBox="1"/>
           <p:nvPr>
             <p:ph type="title"/>
@@ -24000,7 +24028,7 @@
       </p:sp>
       <p:sp>
         <p:nvSpPr>
-          <p:cNvPr id="331" name="Google Shape;331;p55"/>
+          <p:cNvPr id="332" name="Google Shape;332;p55"/>
           <p:cNvSpPr txBox="1"/>
           <p:nvPr>
             <p:ph idx="1" type="body"/>
@@ -24088,7 +24116,7 @@
       </p:sp>
       <p:pic>
         <p:nvPicPr>
-          <p:cNvPr id="332" name="Google Shape;332;p55"/>
+          <p:cNvPr id="333" name="Google Shape;333;p55"/>
           <p:cNvPicPr preferRelativeResize="0"/>
           <p:nvPr/>
         </p:nvPicPr>
@@ -24127,7 +24155,7 @@
   <p:cSld>
     <p:spTree>
       <p:nvGrpSpPr>
-        <p:cNvPr id="336" name="Shape 336"/>
+        <p:cNvPr id="337" name="Shape 337"/>
         <p:cNvGrpSpPr/>
         <p:nvPr/>
       </p:nvGrpSpPr>
@@ -24141,7 +24169,7 @@
       </p:grpSpPr>
       <p:sp>
         <p:nvSpPr>
-          <p:cNvPr id="337" name="Google Shape;337;p56"/>
+          <p:cNvPr id="338" name="Google Shape;338;p56"/>
           <p:cNvSpPr txBox="1"/>
           <p:nvPr>
             <p:ph type="title"/>
@@ -24181,7 +24209,7 @@
       </p:sp>
       <p:sp>
         <p:nvSpPr>
-          <p:cNvPr id="338" name="Google Shape;338;p56"/>
+          <p:cNvPr id="339" name="Google Shape;339;p56"/>
           <p:cNvSpPr txBox="1"/>
           <p:nvPr>
             <p:ph idx="1" type="body"/>
@@ -24221,7 +24249,7 @@
       </p:sp>
       <p:pic>
         <p:nvPicPr>
-          <p:cNvPr id="339" name="Google Shape;339;p56"/>
+          <p:cNvPr id="340" name="Google Shape;340;p56"/>
           <p:cNvPicPr preferRelativeResize="0"/>
           <p:nvPr/>
         </p:nvPicPr>
@@ -24260,7 +24288,7 @@
   <p:cSld>
     <p:spTree>
       <p:nvGrpSpPr>
-        <p:cNvPr id="343" name="Shape 343"/>
+        <p:cNvPr id="344" name="Shape 344"/>
         <p:cNvGrpSpPr/>
         <p:nvPr/>
       </p:nvGrpSpPr>
@@ -24274,7 +24302,7 @@
       </p:grpSpPr>
       <p:sp>
         <p:nvSpPr>
-          <p:cNvPr id="344" name="Google Shape;344;p57"/>
+          <p:cNvPr id="345" name="Google Shape;345;p57"/>
           <p:cNvSpPr txBox="1"/>
           <p:nvPr>
             <p:ph type="title"/>
@@ -24314,7 +24342,7 @@
       </p:sp>
       <p:pic>
         <p:nvPicPr>
-          <p:cNvPr id="345" name="Google Shape;345;p57"/>
+          <p:cNvPr id="346" name="Google Shape;346;p57"/>
           <p:cNvPicPr preferRelativeResize="0"/>
           <p:nvPr/>
         </p:nvPicPr>
@@ -24342,7 +24370,7 @@
       </p:pic>
       <p:pic>
         <p:nvPicPr>
-          <p:cNvPr id="346" name="Google Shape;346;p57"/>
+          <p:cNvPr id="347" name="Google Shape;347;p57"/>
           <p:cNvPicPr preferRelativeResize="0"/>
           <p:nvPr/>
         </p:nvPicPr>
@@ -24370,7 +24398,7 @@
       </p:pic>
       <p:pic>
         <p:nvPicPr>
-          <p:cNvPr id="347" name="Google Shape;347;p57"/>
+          <p:cNvPr id="348" name="Google Shape;348;p57"/>
           <p:cNvPicPr preferRelativeResize="0"/>
           <p:nvPr/>
         </p:nvPicPr>
@@ -24409,7 +24437,7 @@
   <p:cSld>
     <p:spTree>
       <p:nvGrpSpPr>
-        <p:cNvPr id="351" name="Shape 351"/>
+        <p:cNvPr id="352" name="Shape 352"/>
         <p:cNvGrpSpPr/>
         <p:nvPr/>
       </p:nvGrpSpPr>
@@ -24423,7 +24451,7 @@
       </p:grpSpPr>
       <p:pic>
         <p:nvPicPr>
-          <p:cNvPr id="352" name="Google Shape;352;p58"/>
+          <p:cNvPr id="353" name="Google Shape;353;p58"/>
           <p:cNvPicPr preferRelativeResize="0"/>
           <p:nvPr/>
         </p:nvPicPr>
@@ -24462,7 +24490,7 @@
   <p:cSld>
     <p:spTree>
       <p:nvGrpSpPr>
-        <p:cNvPr id="356" name="Shape 356"/>
+        <p:cNvPr id="357" name="Shape 357"/>
         <p:cNvGrpSpPr/>
         <p:nvPr/>
       </p:nvGrpSpPr>
@@ -24476,7 +24504,7 @@
       </p:grpSpPr>
       <p:sp>
         <p:nvSpPr>
-          <p:cNvPr id="357" name="Google Shape;357;p59"/>
+          <p:cNvPr id="358" name="Google Shape;358;p59"/>
           <p:cNvSpPr txBox="1"/>
           <p:nvPr>
             <p:ph type="title"/>
@@ -24516,7 +24544,7 @@
       </p:sp>
       <p:pic>
         <p:nvPicPr>
-          <p:cNvPr id="358" name="Google Shape;358;p59"/>
+          <p:cNvPr id="359" name="Google Shape;359;p59"/>
           <p:cNvPicPr preferRelativeResize="0"/>
           <p:nvPr/>
         </p:nvPicPr>
@@ -24544,7 +24572,7 @@
       </p:pic>
       <p:pic>
         <p:nvPicPr>
-          <p:cNvPr id="359" name="Google Shape;359;p59"/>
+          <p:cNvPr id="360" name="Google Shape;360;p59"/>
           <p:cNvPicPr preferRelativeResize="0"/>
           <p:nvPr/>
         </p:nvPicPr>
@@ -24572,7 +24600,7 @@
       </p:pic>
       <p:pic>
         <p:nvPicPr>
-          <p:cNvPr id="360" name="Google Shape;360;p59"/>
+          <p:cNvPr id="361" name="Google Shape;361;p59"/>
           <p:cNvPicPr preferRelativeResize="0"/>
           <p:nvPr/>
         </p:nvPicPr>
@@ -24611,7 +24639,7 @@
   <p:cSld>
     <p:spTree>
       <p:nvGrpSpPr>
-        <p:cNvPr id="364" name="Shape 364"/>
+        <p:cNvPr id="365" name="Shape 365"/>
         <p:cNvGrpSpPr/>
         <p:nvPr/>
       </p:nvGrpSpPr>
@@ -24625,7 +24653,7 @@
       </p:grpSpPr>
       <p:pic>
         <p:nvPicPr>
-          <p:cNvPr descr="Today we’re going to talk about measures of central tendency - those are the numbers that tend to hang out in the middle of our data: the mean, the median, and mode. All of these numbers can be called “averages” and they’re the numbers we tend to see most often - whether it’s in politics when talking about polling or income equality to batting averages in baseball (and cricket) and Amazon reviews. Averages are everywhere so today we’re going to discuss how these measures differ, how their relationship with one another can tell us a lot about the underlying data, and how they are sometimes used to mislead. &#10;&#10;&#10;Crash Course is on Patreon! You can support us directly by signing up at http://www.patreon.com/crashcourse&#10;&#10;Thanks to the following Patrons for their generous monthly contributions that help keep Crash Course free for everyone forever:&#10;&#10;Mark Brouwer, Nickie Miskell Jr., Jessica Wode, Eric Prestemon, Kathrin Benoit, Tom Trval, Jason Saslow, Nathan Taylor, Divonne Holmes à Court, Brian Thomas Gossett, Khaled El Shalakany, Indika Siriwardena, Robert Kunz, SR Foxley, Sam Ferguson, Yasenia Cruz, Daniel Baulig, Eric Koslow, Caleb Weeks, Tim Curwick, Evren Türkmenoğlu, Alexander Tamas, Justin Zingsheim, D.A. Noe, Shawn Arnold, mark austin, Ruth Perez, Malcolm Callis, Ken Penttinen, Advait Shinde, Cody Carpenter, Annamaria Herrera, William McGraw, Bader AlGhamdi, Vaso, Melissa Briski, Joey Quek, Andrei Krishkevich, Rachel Bright, Alex S, Mayumi Maeda, Kathy &amp; Tim Philip, Montather, Jirat, Eric Kitchen, Moritz Schmidt, Ian Dundore, Chris Peters, Sandra Aft, Steve Marshall&#10;&#10;Want to find Crash Course elsewhere on the internet?&#10;Facebook - http://www.facebook.com/YouTubeCrashC...&#10;Twitter - http://www.twitter.com/TheCrashCourse&#10;Tumblr - http://thecrashcourse.tumblr.com &#10;Support Crash Course on Patreon: http://patreon.com/crashcourse&#10;CC Kids: http://www.youtube.com/crashcoursekids" id="365" name="Google Shape;365;p60" title="Mean, Median, and Mode: Measures of Central Tendency: Crash Course Statistics #3">
+          <p:cNvPr descr="Today we’re going to talk about measures of central tendency - those are the numbers that tend to hang out in the middle of our data: the mean, the median, and mode. All of these numbers can be called “averages” and they’re the numbers we tend to see most often - whether it’s in politics when talking about polling or income equality to batting averages in baseball (and cricket) and Amazon reviews. Averages are everywhere so today we’re going to discuss how these measures differ, how their relationship with one another can tell us a lot about the underlying data, and how they are sometimes used to mislead. &#10;&#10;&#10;Crash Course is on Patreon! You can support us directly by signing up at http://www.patreon.com/crashcourse&#10;&#10;Thanks to the following Patrons for their generous monthly contributions that help keep Crash Course free for everyone forever:&#10;&#10;Mark Brouwer, Nickie Miskell Jr., Jessica Wode, Eric Prestemon, Kathrin Benoit, Tom Trval, Jason Saslow, Nathan Taylor, Divonne Holmes à Court, Brian Thomas Gossett, Khaled El Shalakany, Indika Siriwardena, Robert Kunz, SR Foxley, Sam Ferguson, Yasenia Cruz, Daniel Baulig, Eric Koslow, Caleb Weeks, Tim Curwick, Evren Türkmenoğlu, Alexander Tamas, Justin Zingsheim, D.A. Noe, Shawn Arnold, mark austin, Ruth Perez, Malcolm Callis, Ken Penttinen, Advait Shinde, Cody Carpenter, Annamaria Herrera, William McGraw, Bader AlGhamdi, Vaso, Melissa Briski, Joey Quek, Andrei Krishkevich, Rachel Bright, Alex S, Mayumi Maeda, Kathy &amp; Tim Philip, Montather, Jirat, Eric Kitchen, Moritz Schmidt, Ian Dundore, Chris Peters, Sandra Aft, Steve Marshall&#10;&#10;Want to find Crash Course elsewhere on the internet?&#10;Facebook - http://www.facebook.com/YouTubeCrashC...&#10;Twitter - http://www.twitter.com/TheCrashCourse&#10;Tumblr - http://thecrashcourse.tumblr.com &#10;Support Crash Course on Patreon: http://patreon.com/crashcourse&#10;CC Kids: http://www.youtube.com/crashcoursekids" id="366" name="Google Shape;366;p60" title="Mean, Median, and Mode: Measures of Central Tendency: Crash Course Statistics #3">
             <a:hlinkClick r:id="rId3"/>
           </p:cNvPr>
           <p:cNvPicPr preferRelativeResize="0"/>
@@ -24692,7 +24720,7 @@
                                           </p:stCondLst>
                                         </p:cTn>
                                         <p:tgtEl>
-                                          <p:spTgt spid="365"/>
+                                          <p:spTgt spid="366"/>
                                         </p:tgtEl>
                                         <p:attrNameLst>
                                           <p:attrName>style.visibility</p:attrName>
@@ -24706,7 +24734,7 @@
                                       <p:cBhvr>
                                         <p:cTn dur="1000"/>
                                         <p:tgtEl>
-                                          <p:spTgt spid="365"/>
+                                          <p:spTgt spid="366"/>
                                         </p:tgtEl>
                                       </p:cBhvr>
                                     </p:animEffect>
@@ -24749,7 +24777,7 @@
   <p:cSld>
     <p:spTree>
       <p:nvGrpSpPr>
-        <p:cNvPr id="369" name="Shape 369"/>
+        <p:cNvPr id="370" name="Shape 370"/>
         <p:cNvGrpSpPr/>
         <p:nvPr/>
       </p:nvGrpSpPr>
@@ -24763,7 +24791,7 @@
       </p:grpSpPr>
       <p:pic>
         <p:nvPicPr>
-          <p:cNvPr descr="Today, we're looking at measures of spread, or dispersion, which we use to understand how well medians and means represent the data, and how reliable our conclusions are. They can help understand test scores, income inequality, spot stock bubbles, and plan gambling junkets. They're pretty useful, and now you're going to know how to calculate them!&#10;&#10;Crash Course is on Patreon! You can support us directly by signing up at http://www.patreon.com/crashcourse&#10;&#10;Thanks to the following Patrons for their generous monthly contributions that help keep Crash Course free for everyone forever:&#10;&#10;Mark Brouwer, Nickie Miskell Jr., Jessica Wode, Eric Prestemon, Kathrin Benoit, Tom Trval, Jason Saslow, Nathan Taylor, Divonne Holmes à Court, Brian Thomas Gossett, Khaled El Shalakany, Indika Siriwardena, Robert Kunz, SR Foxley, Sam Ferguson, Yasenia Cruz, Daniel Baulig, Eric Koslow, Caleb Weeks, Tim Curwick, Evren Türkmenoğlu, Alexander Tamas, Justin Zingsheim, D.A. Noe, Shawn Arnold, mark austin, Ruth Perez, Malcolm Callis, Ken Penttinen, Advait Shinde, Cody Carpenter, Annamaria Herrera, William McGraw, Bader AlGhamdi, Vaso, Melissa Briski, Joey Quek, Andrei Krishkevich, Rachel Bright, Alex S, Mayumi Maeda, Kathy &amp; Tim Philip, Montather, Jirat, Eric Kitchen, Moritz Schmidt, Ian Dundore, Chris Peters, Sandra Aft, Steve Marshall&#10;--&#10;&#10;Want to find Crash Course elsewhere on the internet?&#10;Facebook - http://www.facebook.com/YouTubeCrashCourse&#10;Twitter - http://www.twitter.com/TheCrashCourse&#10;Tumblr - http://thecrashcourse.tumblr.com &#10;Support Crash Course on Patreon: http://patreon.com/crashcourse&#10;&#10;CC Kids: http://www.youtube.com/crashcoursekids" id="370" name="Google Shape;370;p61" title="Measures of Spread: Crash Course Statistics #4">
+          <p:cNvPr descr="Today, we're looking at measures of spread, or dispersion, which we use to understand how well medians and means represent the data, and how reliable our conclusions are. They can help understand test scores, income inequality, spot stock bubbles, and plan gambling junkets. They're pretty useful, and now you're going to know how to calculate them!&#10;&#10;Crash Course is on Patreon! You can support us directly by signing up at http://www.patreon.com/crashcourse&#10;&#10;Thanks to the following Patrons for their generous monthly contributions that help keep Crash Course free for everyone forever:&#10;&#10;Mark Brouwer, Nickie Miskell Jr., Jessica Wode, Eric Prestemon, Kathrin Benoit, Tom Trval, Jason Saslow, Nathan Taylor, Divonne Holmes à Court, Brian Thomas Gossett, Khaled El Shalakany, Indika Siriwardena, Robert Kunz, SR Foxley, Sam Ferguson, Yasenia Cruz, Daniel Baulig, Eric Koslow, Caleb Weeks, Tim Curwick, Evren Türkmenoğlu, Alexander Tamas, Justin Zingsheim, D.A. Noe, Shawn Arnold, mark austin, Ruth Perez, Malcolm Callis, Ken Penttinen, Advait Shinde, Cody Carpenter, Annamaria Herrera, William McGraw, Bader AlGhamdi, Vaso, Melissa Briski, Joey Quek, Andrei Krishkevich, Rachel Bright, Alex S, Mayumi Maeda, Kathy &amp; Tim Philip, Montather, Jirat, Eric Kitchen, Moritz Schmidt, Ian Dundore, Chris Peters, Sandra Aft, Steve Marshall&#10;--&#10;&#10;Want to find Crash Course elsewhere on the internet?&#10;Facebook - http://www.facebook.com/YouTubeCrashCourse&#10;Twitter - http://www.twitter.com/TheCrashCourse&#10;Tumblr - http://thecrashcourse.tumblr.com &#10;Support Crash Course on Patreon: http://patreon.com/crashcourse&#10;&#10;CC Kids: http://www.youtube.com/crashcoursekids" id="371" name="Google Shape;371;p61" title="Measures of Spread: Crash Course Statistics #4">
             <a:hlinkClick r:id="rId3"/>
           </p:cNvPr>
           <p:cNvPicPr preferRelativeResize="0"/>
@@ -24830,7 +24858,7 @@
                                           </p:stCondLst>
                                         </p:cTn>
                                         <p:tgtEl>
-                                          <p:spTgt spid="370"/>
+                                          <p:spTgt spid="371"/>
                                         </p:tgtEl>
                                         <p:attrNameLst>
                                           <p:attrName>style.visibility</p:attrName>
@@ -24844,7 +24872,7 @@
                                       <p:cBhvr>
                                         <p:cTn dur="1000"/>
                                         <p:tgtEl>
-                                          <p:spTgt spid="370"/>
+                                          <p:spTgt spid="371"/>
                                         </p:tgtEl>
                                       </p:cBhvr>
                                     </p:animEffect>
@@ -26166,7 +26194,7 @@
             <a:tbl>
               <a:tblPr>
                 <a:noFill/>
-                <a:tableStyleId>{52337F98-8EF9-412F-AEF2-26FA9DA2988D}</a:tableStyleId>
+                <a:tableStyleId>{943600A6-9596-4092-8F08-77541A99854A}</a:tableStyleId>
               </a:tblPr>
               <a:tblGrid>
                 <a:gridCol w="1369450"/>
